--- a/assets/Wireframe and user stories Vinco.pptx
+++ b/assets/Wireframe and user stories Vinco.pptx
@@ -5,40 +5,42 @@
     <p:sldMasterId id="2147483676" r:id="rId1"/>
   </p:sldMasterIdLst>
   <p:notesMasterIdLst>
-    <p:notesMasterId r:id="rId7"/>
+    <p:notesMasterId r:id="rId9"/>
   </p:notesMasterIdLst>
   <p:sldIdLst>
     <p:sldId id="295" r:id="rId2"/>
     <p:sldId id="274" r:id="rId3"/>
-    <p:sldId id="294" r:id="rId4"/>
-    <p:sldId id="293" r:id="rId5"/>
-    <p:sldId id="291" r:id="rId6"/>
+    <p:sldId id="296" r:id="rId4"/>
+    <p:sldId id="294" r:id="rId5"/>
+    <p:sldId id="297" r:id="rId6"/>
+    <p:sldId id="293" r:id="rId7"/>
+    <p:sldId id="291" r:id="rId8"/>
   </p:sldIdLst>
   <p:sldSz cx="12192000" cy="6858000"/>
   <p:notesSz cx="7102475" cy="8991600"/>
   <p:embeddedFontLst>
     <p:embeddedFont>
       <p:font typeface="Calibri" panose="020F0502020204030204" pitchFamily="34" charset="0"/>
-      <p:regular r:id="rId8"/>
-      <p:bold r:id="rId9"/>
-      <p:italic r:id="rId10"/>
-      <p:boldItalic r:id="rId11"/>
+      <p:regular r:id="rId10"/>
+      <p:bold r:id="rId11"/>
+      <p:italic r:id="rId12"/>
+      <p:boldItalic r:id="rId13"/>
     </p:embeddedFont>
     <p:embeddedFont>
       <p:font typeface="Dosis" panose="020B0604020202020204" charset="0"/>
-      <p:regular r:id="rId12"/>
-      <p:bold r:id="rId13"/>
+      <p:regular r:id="rId14"/>
+      <p:bold r:id="rId15"/>
     </p:embeddedFont>
     <p:embeddedFont>
       <p:font typeface="Source Sans Pro" panose="020B0503030403020204" pitchFamily="34" charset="0"/>
-      <p:regular r:id="rId14"/>
-      <p:bold r:id="rId15"/>
-      <p:italic r:id="rId16"/>
-      <p:boldItalic r:id="rId17"/>
+      <p:regular r:id="rId16"/>
+      <p:bold r:id="rId17"/>
+      <p:italic r:id="rId18"/>
+      <p:boldItalic r:id="rId19"/>
     </p:embeddedFont>
   </p:embeddedFontLst>
   <p:custDataLst>
-    <p:tags r:id="rId18"/>
+    <p:tags r:id="rId20"/>
   </p:custDataLst>
   <p:defaultTextStyle>
     <a:defPPr marR="0" lvl="0" algn="l" rtl="0">
@@ -285,7 +287,7 @@
       </p15:sldGuideLst>
     </p:ext>
     <p:ext uri="http://customooxmlschemas.google.com/">
-      <go:slidesCustomData xmlns="" xmlns:mc="http://schemas.openxmlformats.org/markup-compatibility/2006" xmlns:mv="urn:schemas-microsoft-com:mac:vml" xmlns:c="http://schemas.openxmlformats.org/drawingml/2006/chart" xmlns:dgm="http://schemas.openxmlformats.org/drawingml/2006/diagram" xmlns:o="urn:schemas-microsoft-com:office:office" xmlns:v="urn:schemas-microsoft-com:vml" xmlns:pvml="urn:schemas-microsoft-com:office:powerpoint" xmlns:com="http://schemas.openxmlformats.org/drawingml/2006/compatibility" xmlns:p14="http://schemas.microsoft.com/office/powerpoint/2010/main" xmlns:p15="http://schemas.microsoft.com/office/powerpoint/2012/main" xmlns:ahyp="http://schemas.microsoft.com/office/drawing/2018/hyperlinkcolor" xmlns:go="http://customooxmlschemas.google.com/" roundtripDataSignature="AMtx7mgadUdIU+S6umSfNgCcTuOdWtvndg==" r:id="rId47"/>
+      <go:slidesCustomData xmlns:go="http://customooxmlschemas.google.com/" xmlns:ahyp="http://schemas.microsoft.com/office/drawing/2018/hyperlinkcolor" xmlns:p15="http://schemas.microsoft.com/office/powerpoint/2012/main" xmlns:p14="http://schemas.microsoft.com/office/powerpoint/2010/main" xmlns:com="http://schemas.openxmlformats.org/drawingml/2006/compatibility" xmlns:pvml="urn:schemas-microsoft-com:office:powerpoint" xmlns:v="urn:schemas-microsoft-com:vml" xmlns:o="urn:schemas-microsoft-com:office:office" xmlns:dgm="http://schemas.openxmlformats.org/drawingml/2006/diagram" xmlns:c="http://schemas.openxmlformats.org/drawingml/2006/chart" xmlns:mv="urn:schemas-microsoft-com:mac:vml" xmlns:mc="http://schemas.openxmlformats.org/markup-compatibility/2006" xmlns="" roundtripDataSignature="AMtx7mgadUdIU+S6umSfNgCcTuOdWtvndg==" r:id="rId47"/>
     </p:ext>
   </p:extLst>
 </p:presentation>
@@ -4818,12 +4820,78 @@
           <a:chExt cx="0" cy="0"/>
         </a:xfrm>
       </p:grpSpPr>
+      <p:graphicFrame>
+        <p:nvGraphicFramePr>
+          <p:cNvPr id="6" name="Object 5" hidden="1">
+            <a:extLst>
+              <a:ext uri="{FF2B5EF4-FFF2-40B4-BE49-F238E27FC236}">
+                <a16:creationId xmlns:a16="http://schemas.microsoft.com/office/drawing/2014/main" id="{1D8F41A8-D88F-48E2-9685-B7ADA35B617B}"/>
+              </a:ext>
+            </a:extLst>
+          </p:cNvPr>
+          <p:cNvGraphicFramePr>
+            <a:graphicFrameLocks noChangeAspect="1"/>
+          </p:cNvGraphicFramePr>
+          <p:nvPr>
+            <p:custDataLst>
+              <p:tags r:id="rId1"/>
+            </p:custDataLst>
+            <p:extLst>
+              <p:ext uri="{D42A27DB-BD31-4B8C-83A1-F6EECF244321}">
+                <p14:modId xmlns:p14="http://schemas.microsoft.com/office/powerpoint/2010/main" val="2508724671"/>
+              </p:ext>
+            </p:extLst>
+          </p:nvPr>
+        </p:nvGraphicFramePr>
+        <p:xfrm>
+          <a:off x="1588" y="1588"/>
+          <a:ext cx="1588" cy="1588"/>
+        </p:xfrm>
+        <a:graphic>
+          <a:graphicData uri="http://schemas.openxmlformats.org/presentationml/2006/ole">
+            <mc:AlternateContent xmlns:mc="http://schemas.openxmlformats.org/markup-compatibility/2006">
+              <mc:Choice xmlns:v="urn:schemas-microsoft-com:vml" Requires="v">
+                <p:oleObj name="think-cell Slide" r:id="rId3" imgW="416" imgH="416" progId="TCLayout.ActiveDocument.1">
+                  <p:embed/>
+                </p:oleObj>
+              </mc:Choice>
+              <mc:Fallback>
+                <p:oleObj name="think-cell Slide" r:id="rId3" imgW="416" imgH="416" progId="TCLayout.ActiveDocument.1">
+                  <p:embed/>
+                  <p:pic>
+                    <p:nvPicPr>
+                      <p:cNvPr id="0" name=""/>
+                      <p:cNvPicPr/>
+                      <p:nvPr/>
+                    </p:nvPicPr>
+                    <p:blipFill>
+                      <a:blip r:embed="rId4"/>
+                      <a:stretch>
+                        <a:fillRect/>
+                      </a:stretch>
+                    </p:blipFill>
+                    <p:spPr>
+                      <a:xfrm>
+                        <a:off x="1588" y="1588"/>
+                        <a:ext cx="1588" cy="1588"/>
+                      </a:xfrm>
+                      <a:prstGeom prst="rect">
+                        <a:avLst/>
+                      </a:prstGeom>
+                    </p:spPr>
+                  </p:pic>
+                </p:oleObj>
+              </mc:Fallback>
+            </mc:AlternateContent>
+          </a:graphicData>
+        </a:graphic>
+      </p:graphicFrame>
       <p:sp>
         <p:nvSpPr>
           <p:cNvPr id="2" name="Title 1">
             <a:extLst>
               <a:ext uri="{FF2B5EF4-FFF2-40B4-BE49-F238E27FC236}">
-                <a16:creationId xmlns:a16="http://schemas.microsoft.com/office/drawing/2014/main" id="{0A7C2C46-D32E-43F3-A8C9-E7EBD7F7F8E0}"/>
+                <a16:creationId xmlns:a16="http://schemas.microsoft.com/office/drawing/2014/main" id="{D7C3D7CB-E174-4AF0-A3C4-4D63B4B1D358}"/>
               </a:ext>
             </a:extLst>
           </p:cNvPr>
@@ -4836,14 +4904,21 @@
         </p:nvSpPr>
         <p:spPr/>
         <p:txBody>
-          <a:bodyPr/>
+          <a:bodyPr vert="horz"/>
           <a:lstStyle/>
           <a:p>
             <a:r>
-              <a:rPr lang="es-MX" dirty="0"/>
-              <a:t>General Roster</a:t>
+              <a:rPr lang="en-US" dirty="0"/>
+              <a:t>Page for students </a:t>
             </a:r>
-            <a:endParaRPr lang="en-US" dirty="0"/>
+            <a:r>
+              <a:rPr lang="en-US"/>
+              <a:t>to write </a:t>
+            </a:r>
+            <a:r>
+              <a:rPr lang="en-US" dirty="0"/>
+              <a:t>their data</a:t>
+            </a:r>
           </a:p>
         </p:txBody>
       </p:sp>
@@ -4852,7 +4927,7 @@
           <p:cNvPr id="4" name="Slide Number Placeholder 3">
             <a:extLst>
               <a:ext uri="{FF2B5EF4-FFF2-40B4-BE49-F238E27FC236}">
-                <a16:creationId xmlns:a16="http://schemas.microsoft.com/office/drawing/2014/main" id="{DABF5A58-9245-4B02-9DDB-9E019B5867B4}"/>
+                <a16:creationId xmlns:a16="http://schemas.microsoft.com/office/drawing/2014/main" id="{F014F498-1689-4502-992F-936C395CB43D}"/>
               </a:ext>
             </a:extLst>
           </p:cNvPr>
@@ -4868,7 +4943,7 @@
           <a:bodyPr/>
           <a:lstStyle/>
           <a:p>
-            <a:pPr marL="0" lvl="0" indent="0" algn="ctr" rtl="0">
+            <a:pPr marL="0" lvl="0" indent="0" algn="ctr">
               <a:spcBef>
                 <a:spcPts val="0"/>
               </a:spcBef>
@@ -4879,6 +4954,15 @@
             </a:pPr>
             <a:fld id="{00000000-1234-1234-1234-123412341234}" type="slidenum">
               <a:rPr lang="en-US" smtClean="0"/>
+              <a:pPr marL="0" lvl="0" indent="0" algn="ctr">
+                <a:spcBef>
+                  <a:spcPts val="0"/>
+                </a:spcBef>
+                <a:spcAft>
+                  <a:spcPts val="0"/>
+                </a:spcAft>
+                <a:buNone/>
+              </a:pPr>
               <a:t>3</a:t>
             </a:fld>
             <a:endParaRPr lang="en-US"/>
@@ -4887,10 +4971,10 @@
       </p:sp>
       <p:sp>
         <p:nvSpPr>
-          <p:cNvPr id="5" name="Rectangle 4">
-            <a:extLst>
-              <a:ext uri="{FF2B5EF4-FFF2-40B4-BE49-F238E27FC236}">
-                <a16:creationId xmlns:a16="http://schemas.microsoft.com/office/drawing/2014/main" id="{B8B7F621-988A-437E-BCA3-7FBF5429F3BD}"/>
+          <p:cNvPr id="7" name="Rectangle: Rounded Corners 6">
+            <a:extLst>
+              <a:ext uri="{FF2B5EF4-FFF2-40B4-BE49-F238E27FC236}">
+                <a16:creationId xmlns:a16="http://schemas.microsoft.com/office/drawing/2014/main" id="{70997AE1-5EB7-479C-AA9A-D81C7312A01C}"/>
               </a:ext>
             </a:extLst>
           </p:cNvPr>
@@ -4899,15 +4983,24 @@
         </p:nvSpPr>
         <p:spPr>
           <a:xfrm>
-            <a:off x="1910080" y="1849120"/>
-            <a:ext cx="8575040" cy="3519293"/>
-          </a:xfrm>
-          <a:prstGeom prst="rect">
+            <a:off x="8251100" y="2783898"/>
+            <a:ext cx="1884219" cy="477520"/>
+          </a:xfrm>
+          <a:prstGeom prst="roundRect">
             <a:avLst/>
           </a:prstGeom>
           <a:solidFill>
-            <a:schemeClr val="bg1"/>
+            <a:schemeClr val="accent5"/>
           </a:solidFill>
+          <a:ln w="25400" cap="flat" cmpd="sng" algn="ctr">
+            <a:solidFill>
+              <a:schemeClr val="accent5"/>
+            </a:solidFill>
+            <a:prstDash val="solid"/>
+            <a:round/>
+            <a:headEnd type="none" w="med" len="med"/>
+            <a:tailEnd type="none" w="med" len="med"/>
+          </a:ln>
         </p:spPr>
         <p:style>
           <a:lnRef idx="2">
@@ -4930,51 +5023,22 @@
           <a:lstStyle/>
           <a:p>
             <a:pPr algn="ctr"/>
-            <a:endParaRPr lang="en-US"/>
-          </a:p>
-        </p:txBody>
-      </p:sp>
-      <p:sp>
-        <p:nvSpPr>
-          <p:cNvPr id="7" name="TextBox 6">
-            <a:extLst>
-              <a:ext uri="{FF2B5EF4-FFF2-40B4-BE49-F238E27FC236}">
-                <a16:creationId xmlns:a16="http://schemas.microsoft.com/office/drawing/2014/main" id="{777B39EF-DA10-48BD-8EEC-24C07D4DE5D8}"/>
-              </a:ext>
-            </a:extLst>
-          </p:cNvPr>
-          <p:cNvSpPr txBox="1"/>
-          <p:nvPr/>
-        </p:nvSpPr>
-        <p:spPr>
-          <a:xfrm>
-            <a:off x="1910080" y="5536180"/>
-            <a:ext cx="6742307" cy="307777"/>
-          </a:xfrm>
-          <a:prstGeom prst="rect">
-            <a:avLst/>
-          </a:prstGeom>
-          <a:noFill/>
-        </p:spPr>
-        <p:txBody>
-          <a:bodyPr wrap="square" rtlCol="0">
-            <a:spAutoFit/>
-          </a:bodyPr>
-          <a:lstStyle/>
-          <a:p>
             <a:r>
-              <a:rPr lang="en-US" dirty="0"/>
-              <a:t>I am a coach at Vinco and want to know how many students I have in charge</a:t>
+              <a:rPr lang="en-US" dirty="0">
+                <a:latin typeface="Calibri" panose="020F0502020204030204" pitchFamily="34" charset="0"/>
+                <a:cs typeface="Calibri" panose="020F0502020204030204" pitchFamily="34" charset="0"/>
+              </a:rPr>
+              <a:t>Writes Student data to the back end</a:t>
             </a:r>
           </a:p>
         </p:txBody>
       </p:sp>
       <p:sp>
         <p:nvSpPr>
-          <p:cNvPr id="8" name="Rectangle: Rounded Corners 7">
-            <a:extLst>
-              <a:ext uri="{FF2B5EF4-FFF2-40B4-BE49-F238E27FC236}">
-                <a16:creationId xmlns:a16="http://schemas.microsoft.com/office/drawing/2014/main" id="{019B6A5E-C42D-4743-9EFE-FA46A5C8FEE8}"/>
+          <p:cNvPr id="10" name="Rectangle: Rounded Corners 9">
+            <a:extLst>
+              <a:ext uri="{FF2B5EF4-FFF2-40B4-BE49-F238E27FC236}">
+                <a16:creationId xmlns:a16="http://schemas.microsoft.com/office/drawing/2014/main" id="{66867021-2A1D-49AD-BB8E-03175E0C0A59}"/>
               </a:ext>
             </a:extLst>
           </p:cNvPr>
@@ -4983,8 +5047,8 @@
         </p:nvSpPr>
         <p:spPr>
           <a:xfrm>
-            <a:off x="2255520" y="2104889"/>
-            <a:ext cx="5700015" cy="477520"/>
+            <a:off x="1504083" y="2306378"/>
+            <a:ext cx="1415641" cy="477520"/>
           </a:xfrm>
           <a:prstGeom prst="roundRect">
             <a:avLst/>
@@ -5019,17 +5083,17 @@
                 <a:latin typeface="Calibri" panose="020F0502020204030204" pitchFamily="34" charset="0"/>
                 <a:cs typeface="Calibri" panose="020F0502020204030204" pitchFamily="34" charset="0"/>
               </a:rPr>
-              <a:t>Enrolled students</a:t>
+              <a:t>Student</a:t>
             </a:r>
           </a:p>
         </p:txBody>
       </p:sp>
       <p:sp>
         <p:nvSpPr>
-          <p:cNvPr id="9" name="Rectangle: Rounded Corners 8">
-            <a:extLst>
-              <a:ext uri="{FF2B5EF4-FFF2-40B4-BE49-F238E27FC236}">
-                <a16:creationId xmlns:a16="http://schemas.microsoft.com/office/drawing/2014/main" id="{CEC27EAF-EBA2-4F6D-B0D3-0D8869E415A3}"/>
+          <p:cNvPr id="11" name="Rectangle: Rounded Corners 10">
+            <a:extLst>
+              <a:ext uri="{FF2B5EF4-FFF2-40B4-BE49-F238E27FC236}">
+                <a16:creationId xmlns:a16="http://schemas.microsoft.com/office/drawing/2014/main" id="{77B78A0A-1DEA-4F14-8776-310103EC4017}"/>
               </a:ext>
             </a:extLst>
           </p:cNvPr>
@@ -5038,8 +5102,8 @@
         </p:nvSpPr>
         <p:spPr>
           <a:xfrm>
-            <a:off x="8278218" y="2104889"/>
-            <a:ext cx="1884219" cy="477520"/>
+            <a:off x="1504083" y="2859891"/>
+            <a:ext cx="1415641" cy="477520"/>
           </a:xfrm>
           <a:prstGeom prst="roundRect">
             <a:avLst/>
@@ -5070,500 +5134,121 @@
           <a:p>
             <a:pPr algn="ctr"/>
             <a:r>
-              <a:rPr lang="es-MX" dirty="0">
+              <a:rPr lang="en-US" dirty="0">
                 <a:latin typeface="Calibri" panose="020F0502020204030204" pitchFamily="34" charset="0"/>
                 <a:cs typeface="Calibri" panose="020F0502020204030204" pitchFamily="34" charset="0"/>
               </a:rPr>
-              <a:t>New </a:t>
+              <a:t>Education Program</a:t>
             </a:r>
+          </a:p>
+        </p:txBody>
+      </p:sp>
+      <p:sp>
+        <p:nvSpPr>
+          <p:cNvPr id="12" name="Rectangle: Rounded Corners 11">
+            <a:extLst>
+              <a:ext uri="{FF2B5EF4-FFF2-40B4-BE49-F238E27FC236}">
+                <a16:creationId xmlns:a16="http://schemas.microsoft.com/office/drawing/2014/main" id="{0BF5406B-463D-4B69-BF13-74B7FB5F3B0F}"/>
+              </a:ext>
+            </a:extLst>
+          </p:cNvPr>
+          <p:cNvSpPr/>
+          <p:nvPr/>
+        </p:nvSpPr>
+        <p:spPr>
+          <a:xfrm>
+            <a:off x="1504083" y="3413404"/>
+            <a:ext cx="1415641" cy="477520"/>
+          </a:xfrm>
+          <a:prstGeom prst="roundRect">
+            <a:avLst/>
+          </a:prstGeom>
+          <a:solidFill>
+            <a:schemeClr val="bg2"/>
+          </a:solidFill>
+        </p:spPr>
+        <p:style>
+          <a:lnRef idx="2">
+            <a:schemeClr val="accent1">
+              <a:shade val="50000"/>
+            </a:schemeClr>
+          </a:lnRef>
+          <a:fillRef idx="1">
+            <a:schemeClr val="accent1"/>
+          </a:fillRef>
+          <a:effectRef idx="0">
+            <a:schemeClr val="accent1"/>
+          </a:effectRef>
+          <a:fontRef idx="minor">
+            <a:schemeClr val="lt1"/>
+          </a:fontRef>
+        </p:style>
+        <p:txBody>
+          <a:bodyPr rtlCol="0" anchor="ctr"/>
+          <a:lstStyle/>
+          <a:p>
+            <a:pPr algn="ctr"/>
             <a:r>
-              <a:rPr lang="es-MX" dirty="0" err="1">
+              <a:rPr lang="en-US" dirty="0">
                 <a:latin typeface="Calibri" panose="020F0502020204030204" pitchFamily="34" charset="0"/>
                 <a:cs typeface="Calibri" panose="020F0502020204030204" pitchFamily="34" charset="0"/>
               </a:rPr>
-              <a:t>students</a:t>
+              <a:t>Company</a:t>
             </a:r>
+          </a:p>
+        </p:txBody>
+      </p:sp>
+      <p:sp>
+        <p:nvSpPr>
+          <p:cNvPr id="13" name="Rectangle: Rounded Corners 12">
+            <a:extLst>
+              <a:ext uri="{FF2B5EF4-FFF2-40B4-BE49-F238E27FC236}">
+                <a16:creationId xmlns:a16="http://schemas.microsoft.com/office/drawing/2014/main" id="{7F24193A-CCD5-4F2B-AEE2-EE72A72BB3F7}"/>
+              </a:ext>
+            </a:extLst>
+          </p:cNvPr>
+          <p:cNvSpPr/>
+          <p:nvPr/>
+        </p:nvSpPr>
+        <p:spPr>
+          <a:xfrm>
+            <a:off x="1504083" y="3966917"/>
+            <a:ext cx="1415641" cy="477520"/>
+          </a:xfrm>
+          <a:prstGeom prst="roundRect">
+            <a:avLst/>
+          </a:prstGeom>
+          <a:solidFill>
+            <a:schemeClr val="bg2"/>
+          </a:solidFill>
+        </p:spPr>
+        <p:style>
+          <a:lnRef idx="2">
+            <a:schemeClr val="accent1">
+              <a:shade val="50000"/>
+            </a:schemeClr>
+          </a:lnRef>
+          <a:fillRef idx="1">
+            <a:schemeClr val="accent1"/>
+          </a:fillRef>
+          <a:effectRef idx="0">
+            <a:schemeClr val="accent1"/>
+          </a:effectRef>
+          <a:fontRef idx="minor">
+            <a:schemeClr val="lt1"/>
+          </a:fontRef>
+        </p:style>
+        <p:txBody>
+          <a:bodyPr rtlCol="0" anchor="ctr"/>
+          <a:lstStyle/>
+          <a:p>
+            <a:pPr algn="ctr"/>
             <a:r>
-              <a:rPr lang="es-MX" dirty="0">
+              <a:rPr lang="en-US" dirty="0">
                 <a:latin typeface="Calibri" panose="020F0502020204030204" pitchFamily="34" charset="0"/>
                 <a:cs typeface="Calibri" panose="020F0502020204030204" pitchFamily="34" charset="0"/>
               </a:rPr>
-              <a:t> </a:t>
-            </a:r>
-            <a:r>
-              <a:rPr lang="es-MX" dirty="0" err="1">
-                <a:latin typeface="Calibri" panose="020F0502020204030204" pitchFamily="34" charset="0"/>
-                <a:cs typeface="Calibri" panose="020F0502020204030204" pitchFamily="34" charset="0"/>
-              </a:rPr>
-              <a:t>waiting</a:t>
-            </a:r>
-            <a:r>
-              <a:rPr lang="es-MX" dirty="0">
-                <a:latin typeface="Calibri" panose="020F0502020204030204" pitchFamily="34" charset="0"/>
-                <a:cs typeface="Calibri" panose="020F0502020204030204" pitchFamily="34" charset="0"/>
-              </a:rPr>
-              <a:t> to be </a:t>
-            </a:r>
-            <a:r>
-              <a:rPr lang="es-MX" dirty="0" err="1">
-                <a:latin typeface="Calibri" panose="020F0502020204030204" pitchFamily="34" charset="0"/>
-                <a:cs typeface="Calibri" panose="020F0502020204030204" pitchFamily="34" charset="0"/>
-              </a:rPr>
-              <a:t>enrolled</a:t>
-            </a:r>
-            <a:endParaRPr lang="en-US" dirty="0">
-              <a:latin typeface="Calibri" panose="020F0502020204030204" pitchFamily="34" charset="0"/>
-              <a:cs typeface="Calibri" panose="020F0502020204030204" pitchFamily="34" charset="0"/>
-            </a:endParaRPr>
-          </a:p>
-        </p:txBody>
-      </p:sp>
-      <p:sp>
-        <p:nvSpPr>
-          <p:cNvPr id="3" name="TextBox 2">
-            <a:extLst>
-              <a:ext uri="{FF2B5EF4-FFF2-40B4-BE49-F238E27FC236}">
-                <a16:creationId xmlns:a16="http://schemas.microsoft.com/office/drawing/2014/main" id="{FD910FEE-5B0B-4E50-B62D-2D142895AC35}"/>
-              </a:ext>
-            </a:extLst>
-          </p:cNvPr>
-          <p:cNvSpPr txBox="1"/>
-          <p:nvPr/>
-        </p:nvSpPr>
-        <p:spPr>
-          <a:xfrm>
-            <a:off x="2393171" y="3864075"/>
-            <a:ext cx="1500403" cy="523220"/>
-          </a:xfrm>
-          <a:prstGeom prst="rect">
-            <a:avLst/>
-          </a:prstGeom>
-          <a:noFill/>
-        </p:spPr>
-        <p:txBody>
-          <a:bodyPr wrap="square" rtlCol="0" anchor="ctr">
-            <a:spAutoFit/>
-          </a:bodyPr>
-          <a:lstStyle/>
-          <a:p>
-            <a:pPr algn="ctr"/>
-            <a:r>
-              <a:rPr lang="en-US" dirty="0"/>
-              <a:t># of enrolled students</a:t>
-            </a:r>
-          </a:p>
-        </p:txBody>
-      </p:sp>
-      <p:sp>
-        <p:nvSpPr>
-          <p:cNvPr id="13" name="TextBox 12">
-            <a:extLst>
-              <a:ext uri="{FF2B5EF4-FFF2-40B4-BE49-F238E27FC236}">
-                <a16:creationId xmlns:a16="http://schemas.microsoft.com/office/drawing/2014/main" id="{F6940B7B-7DF4-43AB-B155-0E3930AA0424}"/>
-              </a:ext>
-            </a:extLst>
-          </p:cNvPr>
-          <p:cNvSpPr txBox="1"/>
-          <p:nvPr/>
-        </p:nvSpPr>
-        <p:spPr>
-          <a:xfrm>
-            <a:off x="2393171" y="3208849"/>
-            <a:ext cx="1500403" cy="707886"/>
-          </a:xfrm>
-          <a:prstGeom prst="rect">
-            <a:avLst/>
-          </a:prstGeom>
-          <a:noFill/>
-        </p:spPr>
-        <p:txBody>
-          <a:bodyPr wrap="square" rtlCol="0" anchor="ctr">
-            <a:spAutoFit/>
-          </a:bodyPr>
-          <a:lstStyle/>
-          <a:p>
-            <a:pPr algn="ctr"/>
-            <a:r>
-              <a:rPr lang="en-US" sz="4000" dirty="0">
-                <a:solidFill>
-                  <a:schemeClr val="bg2"/>
-                </a:solidFill>
-              </a:rPr>
-              <a:t>#</a:t>
-            </a:r>
-          </a:p>
-        </p:txBody>
-      </p:sp>
-      <p:sp>
-        <p:nvSpPr>
-          <p:cNvPr id="14" name="TextBox 13">
-            <a:extLst>
-              <a:ext uri="{FF2B5EF4-FFF2-40B4-BE49-F238E27FC236}">
-                <a16:creationId xmlns:a16="http://schemas.microsoft.com/office/drawing/2014/main" id="{FCB87305-6DB9-4D69-8FEA-475EB7E82A60}"/>
-              </a:ext>
-            </a:extLst>
-          </p:cNvPr>
-          <p:cNvSpPr txBox="1"/>
-          <p:nvPr/>
-        </p:nvSpPr>
-        <p:spPr>
-          <a:xfrm>
-            <a:off x="4467778" y="3864075"/>
-            <a:ext cx="1500403" cy="523220"/>
-          </a:xfrm>
-          <a:prstGeom prst="rect">
-            <a:avLst/>
-          </a:prstGeom>
-          <a:noFill/>
-        </p:spPr>
-        <p:txBody>
-          <a:bodyPr wrap="square" rtlCol="0" anchor="ctr">
-            <a:spAutoFit/>
-          </a:bodyPr>
-          <a:lstStyle/>
-          <a:p>
-            <a:pPr algn="ctr"/>
-            <a:r>
-              <a:rPr lang="en-US" dirty="0"/>
-              <a:t>Dropped out students</a:t>
-            </a:r>
-          </a:p>
-        </p:txBody>
-      </p:sp>
-      <p:sp>
-        <p:nvSpPr>
-          <p:cNvPr id="15" name="TextBox 14">
-            <a:extLst>
-              <a:ext uri="{FF2B5EF4-FFF2-40B4-BE49-F238E27FC236}">
-                <a16:creationId xmlns:a16="http://schemas.microsoft.com/office/drawing/2014/main" id="{06D3E03C-26FD-4297-AF10-EF7C63A07B11}"/>
-              </a:ext>
-            </a:extLst>
-          </p:cNvPr>
-          <p:cNvSpPr txBox="1"/>
-          <p:nvPr/>
-        </p:nvSpPr>
-        <p:spPr>
-          <a:xfrm>
-            <a:off x="4467778" y="3208849"/>
-            <a:ext cx="1500403" cy="707886"/>
-          </a:xfrm>
-          <a:prstGeom prst="rect">
-            <a:avLst/>
-          </a:prstGeom>
-          <a:noFill/>
-        </p:spPr>
-        <p:txBody>
-          <a:bodyPr wrap="square" rtlCol="0" anchor="ctr">
-            <a:spAutoFit/>
-          </a:bodyPr>
-          <a:lstStyle/>
-          <a:p>
-            <a:pPr algn="ctr"/>
-            <a:r>
-              <a:rPr lang="en-US" sz="4000" dirty="0">
-                <a:solidFill>
-                  <a:schemeClr val="bg2"/>
-                </a:solidFill>
-              </a:rPr>
-              <a:t>#</a:t>
-            </a:r>
-          </a:p>
-        </p:txBody>
-      </p:sp>
-      <p:sp>
-        <p:nvSpPr>
-          <p:cNvPr id="16" name="TextBox 15">
-            <a:extLst>
-              <a:ext uri="{FF2B5EF4-FFF2-40B4-BE49-F238E27FC236}">
-                <a16:creationId xmlns:a16="http://schemas.microsoft.com/office/drawing/2014/main" id="{39C5CA1F-7D36-4A64-AC3D-B24E2DC4E8C0}"/>
-              </a:ext>
-            </a:extLst>
-          </p:cNvPr>
-          <p:cNvSpPr txBox="1"/>
-          <p:nvPr/>
-        </p:nvSpPr>
-        <p:spPr>
-          <a:xfrm>
-            <a:off x="6345739" y="3971796"/>
-            <a:ext cx="1500403" cy="307777"/>
-          </a:xfrm>
-          <a:prstGeom prst="rect">
-            <a:avLst/>
-          </a:prstGeom>
-          <a:noFill/>
-        </p:spPr>
-        <p:txBody>
-          <a:bodyPr wrap="square" rtlCol="0" anchor="ctr">
-            <a:spAutoFit/>
-          </a:bodyPr>
-          <a:lstStyle/>
-          <a:p>
-            <a:pPr algn="ctr"/>
-            <a:r>
-              <a:rPr lang="en-US" dirty="0"/>
-              <a:t>Failing students</a:t>
-            </a:r>
-          </a:p>
-        </p:txBody>
-      </p:sp>
-      <p:sp>
-        <p:nvSpPr>
-          <p:cNvPr id="17" name="TextBox 16">
-            <a:extLst>
-              <a:ext uri="{FF2B5EF4-FFF2-40B4-BE49-F238E27FC236}">
-                <a16:creationId xmlns:a16="http://schemas.microsoft.com/office/drawing/2014/main" id="{CC0CB944-9D56-4202-96D2-FC634F6EB309}"/>
-              </a:ext>
-            </a:extLst>
-          </p:cNvPr>
-          <p:cNvSpPr txBox="1"/>
-          <p:nvPr/>
-        </p:nvSpPr>
-        <p:spPr>
-          <a:xfrm>
-            <a:off x="6345739" y="3208849"/>
-            <a:ext cx="1500403" cy="707886"/>
-          </a:xfrm>
-          <a:prstGeom prst="rect">
-            <a:avLst/>
-          </a:prstGeom>
-          <a:noFill/>
-        </p:spPr>
-        <p:txBody>
-          <a:bodyPr wrap="square" rtlCol="0" anchor="ctr">
-            <a:spAutoFit/>
-          </a:bodyPr>
-          <a:lstStyle/>
-          <a:p>
-            <a:pPr algn="ctr"/>
-            <a:r>
-              <a:rPr lang="en-US" sz="4000" dirty="0">
-                <a:solidFill>
-                  <a:schemeClr val="bg2"/>
-                </a:solidFill>
-              </a:rPr>
-              <a:t>#</a:t>
-            </a:r>
-          </a:p>
-        </p:txBody>
-      </p:sp>
-      <p:sp>
-        <p:nvSpPr>
-          <p:cNvPr id="18" name="TextBox 17">
-            <a:extLst>
-              <a:ext uri="{FF2B5EF4-FFF2-40B4-BE49-F238E27FC236}">
-                <a16:creationId xmlns:a16="http://schemas.microsoft.com/office/drawing/2014/main" id="{9EC3B999-C452-49D0-961D-31482FC2401E}"/>
-              </a:ext>
-            </a:extLst>
-          </p:cNvPr>
-          <p:cNvSpPr txBox="1"/>
-          <p:nvPr/>
-        </p:nvSpPr>
-        <p:spPr>
-          <a:xfrm>
-            <a:off x="8521618" y="3421625"/>
-            <a:ext cx="1500403" cy="523220"/>
-          </a:xfrm>
-          <a:prstGeom prst="rect">
-            <a:avLst/>
-          </a:prstGeom>
-          <a:noFill/>
-        </p:spPr>
-        <p:txBody>
-          <a:bodyPr wrap="square" rtlCol="0" anchor="ctr">
-            <a:spAutoFit/>
-          </a:bodyPr>
-          <a:lstStyle/>
-          <a:p>
-            <a:pPr algn="ctr"/>
-            <a:r>
-              <a:rPr lang="en-US" dirty="0"/>
-              <a:t>Students contacted</a:t>
-            </a:r>
-          </a:p>
-        </p:txBody>
-      </p:sp>
-      <p:sp>
-        <p:nvSpPr>
-          <p:cNvPr id="19" name="TextBox 18">
-            <a:extLst>
-              <a:ext uri="{FF2B5EF4-FFF2-40B4-BE49-F238E27FC236}">
-                <a16:creationId xmlns:a16="http://schemas.microsoft.com/office/drawing/2014/main" id="{7207BDC8-C8B0-423E-8481-3AAC8D8608B9}"/>
-              </a:ext>
-            </a:extLst>
-          </p:cNvPr>
-          <p:cNvSpPr txBox="1"/>
-          <p:nvPr/>
-        </p:nvSpPr>
-        <p:spPr>
-          <a:xfrm>
-            <a:off x="8521618" y="2766399"/>
-            <a:ext cx="1500403" cy="707886"/>
-          </a:xfrm>
-          <a:prstGeom prst="rect">
-            <a:avLst/>
-          </a:prstGeom>
-          <a:noFill/>
-        </p:spPr>
-        <p:txBody>
-          <a:bodyPr wrap="square" rtlCol="0" anchor="ctr">
-            <a:spAutoFit/>
-          </a:bodyPr>
-          <a:lstStyle/>
-          <a:p>
-            <a:pPr algn="ctr"/>
-            <a:r>
-              <a:rPr lang="en-US" sz="4000" dirty="0">
-                <a:solidFill>
-                  <a:schemeClr val="bg2"/>
-                </a:solidFill>
-              </a:rPr>
-              <a:t>#</a:t>
-            </a:r>
-          </a:p>
-        </p:txBody>
-      </p:sp>
-      <p:sp>
-        <p:nvSpPr>
-          <p:cNvPr id="20" name="TextBox 19">
-            <a:extLst>
-              <a:ext uri="{FF2B5EF4-FFF2-40B4-BE49-F238E27FC236}">
-                <a16:creationId xmlns:a16="http://schemas.microsoft.com/office/drawing/2014/main" id="{A8F89A3E-44DA-43E8-8645-498D678A542F}"/>
-              </a:ext>
-            </a:extLst>
-          </p:cNvPr>
-          <p:cNvSpPr txBox="1"/>
-          <p:nvPr/>
-        </p:nvSpPr>
-        <p:spPr>
-          <a:xfrm>
-            <a:off x="8521618" y="4579718"/>
-            <a:ext cx="1500403" cy="523220"/>
-          </a:xfrm>
-          <a:prstGeom prst="rect">
-            <a:avLst/>
-          </a:prstGeom>
-          <a:noFill/>
-        </p:spPr>
-        <p:txBody>
-          <a:bodyPr wrap="square" rtlCol="0" anchor="ctr">
-            <a:spAutoFit/>
-          </a:bodyPr>
-          <a:lstStyle/>
-          <a:p>
-            <a:pPr algn="ctr"/>
-            <a:r>
-              <a:rPr lang="en-US" dirty="0"/>
-              <a:t>Students waiting to be contacted</a:t>
-            </a:r>
-          </a:p>
-        </p:txBody>
-      </p:sp>
-      <p:sp>
-        <p:nvSpPr>
-          <p:cNvPr id="21" name="TextBox 20">
-            <a:extLst>
-              <a:ext uri="{FF2B5EF4-FFF2-40B4-BE49-F238E27FC236}">
-                <a16:creationId xmlns:a16="http://schemas.microsoft.com/office/drawing/2014/main" id="{AEEE8B43-5944-425B-91FF-986F9B536236}"/>
-              </a:ext>
-            </a:extLst>
-          </p:cNvPr>
-          <p:cNvSpPr txBox="1"/>
-          <p:nvPr/>
-        </p:nvSpPr>
-        <p:spPr>
-          <a:xfrm>
-            <a:off x="8521618" y="3924492"/>
-            <a:ext cx="1500403" cy="707886"/>
-          </a:xfrm>
-          <a:prstGeom prst="rect">
-            <a:avLst/>
-          </a:prstGeom>
-          <a:noFill/>
-        </p:spPr>
-        <p:txBody>
-          <a:bodyPr wrap="square" rtlCol="0" anchor="ctr">
-            <a:spAutoFit/>
-          </a:bodyPr>
-          <a:lstStyle/>
-          <a:p>
-            <a:pPr algn="ctr"/>
-            <a:r>
-              <a:rPr lang="en-US" sz="4000" dirty="0">
-                <a:solidFill>
-                  <a:schemeClr val="bg2"/>
-                </a:solidFill>
-              </a:rPr>
-              <a:t>#</a:t>
-            </a:r>
-          </a:p>
-        </p:txBody>
-      </p:sp>
-      <p:sp>
-        <p:nvSpPr>
-          <p:cNvPr id="22" name="TextBox 21">
-            <a:extLst>
-              <a:ext uri="{FF2B5EF4-FFF2-40B4-BE49-F238E27FC236}">
-                <a16:creationId xmlns:a16="http://schemas.microsoft.com/office/drawing/2014/main" id="{678440BF-651D-46F0-9B2F-AD5873BE8C85}"/>
-              </a:ext>
-            </a:extLst>
-          </p:cNvPr>
-          <p:cNvSpPr txBox="1"/>
-          <p:nvPr/>
-        </p:nvSpPr>
-        <p:spPr>
-          <a:xfrm>
-            <a:off x="1910080" y="5857835"/>
-            <a:ext cx="6742307" cy="307777"/>
-          </a:xfrm>
-          <a:prstGeom prst="rect">
-            <a:avLst/>
-          </a:prstGeom>
-          <a:noFill/>
-        </p:spPr>
-        <p:txBody>
-          <a:bodyPr wrap="square" rtlCol="0">
-            <a:spAutoFit/>
-          </a:bodyPr>
-          <a:lstStyle/>
-          <a:p>
-            <a:r>
-              <a:rPr lang="en-US" dirty="0"/>
-              <a:t>I am a coach at Vinco and want to know how my students are doing</a:t>
-            </a:r>
-          </a:p>
-        </p:txBody>
-      </p:sp>
-      <p:sp>
-        <p:nvSpPr>
-          <p:cNvPr id="23" name="TextBox 22">
-            <a:extLst>
-              <a:ext uri="{FF2B5EF4-FFF2-40B4-BE49-F238E27FC236}">
-                <a16:creationId xmlns:a16="http://schemas.microsoft.com/office/drawing/2014/main" id="{F817B23D-5121-4714-904F-35189B35516D}"/>
-              </a:ext>
-            </a:extLst>
-          </p:cNvPr>
-          <p:cNvSpPr txBox="1"/>
-          <p:nvPr/>
-        </p:nvSpPr>
-        <p:spPr>
-          <a:xfrm>
-            <a:off x="1910080" y="6179490"/>
-            <a:ext cx="8974011" cy="523220"/>
-          </a:xfrm>
-          <a:prstGeom prst="rect">
-            <a:avLst/>
-          </a:prstGeom>
-          <a:noFill/>
-        </p:spPr>
-        <p:txBody>
-          <a:bodyPr wrap="square" rtlCol="0">
-            <a:spAutoFit/>
-          </a:bodyPr>
-          <a:lstStyle/>
-          <a:p>
-            <a:r>
-              <a:rPr lang="en-US" dirty="0"/>
-              <a:t>I am a coach at Vinco and want to know how many students are waiting to be enrolled</a:t>
+              <a:t>Contact Info</a:t>
             </a:r>
           </a:p>
         </p:txBody>
@@ -5571,7 +5256,7 @@
     </p:spTree>
     <p:extLst>
       <p:ext uri="{BB962C8B-B14F-4D97-AF65-F5344CB8AC3E}">
-        <p14:creationId xmlns:p14="http://schemas.microsoft.com/office/powerpoint/2010/main" val="788057079"/>
+        <p14:creationId xmlns:p14="http://schemas.microsoft.com/office/powerpoint/2010/main" val="1274221007"/>
       </p:ext>
     </p:extLst>
   </p:cSld>
@@ -5598,12 +5283,78 @@
           <a:chExt cx="0" cy="0"/>
         </a:xfrm>
       </p:grpSpPr>
+      <p:graphicFrame>
+        <p:nvGraphicFramePr>
+          <p:cNvPr id="10" name="Object 9" hidden="1">
+            <a:extLst>
+              <a:ext uri="{FF2B5EF4-FFF2-40B4-BE49-F238E27FC236}">
+                <a16:creationId xmlns:a16="http://schemas.microsoft.com/office/drawing/2014/main" id="{338D8368-8D85-4B7F-9344-1BCE862D2ED2}"/>
+              </a:ext>
+            </a:extLst>
+          </p:cNvPr>
+          <p:cNvGraphicFramePr>
+            <a:graphicFrameLocks noChangeAspect="1"/>
+          </p:cNvGraphicFramePr>
+          <p:nvPr>
+            <p:custDataLst>
+              <p:tags r:id="rId1"/>
+            </p:custDataLst>
+            <p:extLst>
+              <p:ext uri="{D42A27DB-BD31-4B8C-83A1-F6EECF244321}">
+                <p14:modId xmlns:p14="http://schemas.microsoft.com/office/powerpoint/2010/main" val="3315851927"/>
+              </p:ext>
+            </p:extLst>
+          </p:nvPr>
+        </p:nvGraphicFramePr>
+        <p:xfrm>
+          <a:off x="1588" y="1588"/>
+          <a:ext cx="1588" cy="1588"/>
+        </p:xfrm>
+        <a:graphic>
+          <a:graphicData uri="http://schemas.openxmlformats.org/presentationml/2006/ole">
+            <mc:AlternateContent xmlns:mc="http://schemas.openxmlformats.org/markup-compatibility/2006">
+              <mc:Choice xmlns:v="urn:schemas-microsoft-com:vml" Requires="v">
+                <p:oleObj name="think-cell Slide" r:id="rId3" imgW="416" imgH="416" progId="TCLayout.ActiveDocument.1">
+                  <p:embed/>
+                </p:oleObj>
+              </mc:Choice>
+              <mc:Fallback>
+                <p:oleObj name="think-cell Slide" r:id="rId3" imgW="416" imgH="416" progId="TCLayout.ActiveDocument.1">
+                  <p:embed/>
+                  <p:pic>
+                    <p:nvPicPr>
+                      <p:cNvPr id="0" name=""/>
+                      <p:cNvPicPr/>
+                      <p:nvPr/>
+                    </p:nvPicPr>
+                    <p:blipFill>
+                      <a:blip r:embed="rId4"/>
+                      <a:stretch>
+                        <a:fillRect/>
+                      </a:stretch>
+                    </p:blipFill>
+                    <p:spPr>
+                      <a:xfrm>
+                        <a:off x="1588" y="1588"/>
+                        <a:ext cx="1588" cy="1588"/>
+                      </a:xfrm>
+                      <a:prstGeom prst="rect">
+                        <a:avLst/>
+                      </a:prstGeom>
+                    </p:spPr>
+                  </p:pic>
+                </p:oleObj>
+              </mc:Fallback>
+            </mc:AlternateContent>
+          </a:graphicData>
+        </a:graphic>
+      </p:graphicFrame>
       <p:sp>
         <p:nvSpPr>
           <p:cNvPr id="2" name="Title 1">
             <a:extLst>
               <a:ext uri="{FF2B5EF4-FFF2-40B4-BE49-F238E27FC236}">
-                <a16:creationId xmlns:a16="http://schemas.microsoft.com/office/drawing/2014/main" id="{D0B3DBC0-3387-4A3F-AF15-93F35B68E9F2}"/>
+                <a16:creationId xmlns:a16="http://schemas.microsoft.com/office/drawing/2014/main" id="{0A7C2C46-D32E-43F3-A8C9-E7EBD7F7F8E0}"/>
               </a:ext>
             </a:extLst>
           </p:cNvPr>
@@ -5616,12 +5367,12 @@
         </p:nvSpPr>
         <p:spPr/>
         <p:txBody>
-          <a:bodyPr/>
+          <a:bodyPr vert="horz"/>
           <a:lstStyle/>
           <a:p>
             <a:r>
-              <a:rPr lang="en-US" dirty="0"/>
-              <a:t>Dashboard to see assigned students and status</a:t>
+              <a:rPr lang="en-US"/>
+              <a:t>General Roster</a:t>
             </a:r>
           </a:p>
         </p:txBody>
@@ -5631,7 +5382,7 @@
           <p:cNvPr id="4" name="Slide Number Placeholder 3">
             <a:extLst>
               <a:ext uri="{FF2B5EF4-FFF2-40B4-BE49-F238E27FC236}">
-                <a16:creationId xmlns:a16="http://schemas.microsoft.com/office/drawing/2014/main" id="{61ADD5D7-6A5A-407E-97C6-D2AC65314A65}"/>
+                <a16:creationId xmlns:a16="http://schemas.microsoft.com/office/drawing/2014/main" id="{DABF5A58-9245-4B02-9DDB-9E019B5867B4}"/>
               </a:ext>
             </a:extLst>
           </p:cNvPr>
@@ -5647,7 +5398,7 @@
           <a:bodyPr/>
           <a:lstStyle/>
           <a:p>
-            <a:pPr marL="0" lvl="0" indent="0" algn="ctr" rtl="0">
+            <a:pPr marL="0" lvl="0" indent="0" algn="ctr">
               <a:spcBef>
                 <a:spcPts val="0"/>
               </a:spcBef>
@@ -5658,7 +5409,2108 @@
             </a:pPr>
             <a:fld id="{00000000-1234-1234-1234-123412341234}" type="slidenum">
               <a:rPr lang="en-US" smtClean="0"/>
+              <a:pPr marL="0" lvl="0" indent="0" algn="ctr">
+                <a:spcBef>
+                  <a:spcPts val="0"/>
+                </a:spcBef>
+                <a:spcAft>
+                  <a:spcPts val="0"/>
+                </a:spcAft>
+                <a:buNone/>
+              </a:pPr>
               <a:t>4</a:t>
+            </a:fld>
+            <a:endParaRPr lang="en-US"/>
+          </a:p>
+        </p:txBody>
+      </p:sp>
+      <p:sp>
+        <p:nvSpPr>
+          <p:cNvPr id="5" name="Rectangle 4">
+            <a:extLst>
+              <a:ext uri="{FF2B5EF4-FFF2-40B4-BE49-F238E27FC236}">
+                <a16:creationId xmlns:a16="http://schemas.microsoft.com/office/drawing/2014/main" id="{B8B7F621-988A-437E-BCA3-7FBF5429F3BD}"/>
+              </a:ext>
+            </a:extLst>
+          </p:cNvPr>
+          <p:cNvSpPr/>
+          <p:nvPr/>
+        </p:nvSpPr>
+        <p:spPr>
+          <a:xfrm>
+            <a:off x="1910080" y="1849120"/>
+            <a:ext cx="8575040" cy="3519293"/>
+          </a:xfrm>
+          <a:prstGeom prst="rect">
+            <a:avLst/>
+          </a:prstGeom>
+          <a:solidFill>
+            <a:schemeClr val="bg1"/>
+          </a:solidFill>
+        </p:spPr>
+        <p:style>
+          <a:lnRef idx="2">
+            <a:schemeClr val="accent1">
+              <a:shade val="50000"/>
+            </a:schemeClr>
+          </a:lnRef>
+          <a:fillRef idx="1">
+            <a:schemeClr val="accent1"/>
+          </a:fillRef>
+          <a:effectRef idx="0">
+            <a:schemeClr val="accent1"/>
+          </a:effectRef>
+          <a:fontRef idx="minor">
+            <a:schemeClr val="lt1"/>
+          </a:fontRef>
+        </p:style>
+        <p:txBody>
+          <a:bodyPr rtlCol="0" anchor="ctr"/>
+          <a:lstStyle/>
+          <a:p>
+            <a:pPr algn="ctr"/>
+            <a:endParaRPr lang="en-US"/>
+          </a:p>
+        </p:txBody>
+      </p:sp>
+      <p:sp>
+        <p:nvSpPr>
+          <p:cNvPr id="7" name="TextBox 6">
+            <a:extLst>
+              <a:ext uri="{FF2B5EF4-FFF2-40B4-BE49-F238E27FC236}">
+                <a16:creationId xmlns:a16="http://schemas.microsoft.com/office/drawing/2014/main" id="{777B39EF-DA10-48BD-8EEC-24C07D4DE5D8}"/>
+              </a:ext>
+            </a:extLst>
+          </p:cNvPr>
+          <p:cNvSpPr txBox="1"/>
+          <p:nvPr/>
+        </p:nvSpPr>
+        <p:spPr>
+          <a:xfrm>
+            <a:off x="1910080" y="5536180"/>
+            <a:ext cx="6742307" cy="307777"/>
+          </a:xfrm>
+          <a:prstGeom prst="rect">
+            <a:avLst/>
+          </a:prstGeom>
+          <a:noFill/>
+        </p:spPr>
+        <p:txBody>
+          <a:bodyPr wrap="square" rtlCol="0">
+            <a:spAutoFit/>
+          </a:bodyPr>
+          <a:lstStyle/>
+          <a:p>
+            <a:r>
+              <a:rPr lang="en-US"/>
+              <a:t>I am a coach at Vinco and want to know how many students I have in charge</a:t>
+            </a:r>
+          </a:p>
+        </p:txBody>
+      </p:sp>
+      <p:sp>
+        <p:nvSpPr>
+          <p:cNvPr id="8" name="Rectangle: Rounded Corners 7">
+            <a:extLst>
+              <a:ext uri="{FF2B5EF4-FFF2-40B4-BE49-F238E27FC236}">
+                <a16:creationId xmlns:a16="http://schemas.microsoft.com/office/drawing/2014/main" id="{019B6A5E-C42D-4743-9EFE-FA46A5C8FEE8}"/>
+              </a:ext>
+            </a:extLst>
+          </p:cNvPr>
+          <p:cNvSpPr/>
+          <p:nvPr/>
+        </p:nvSpPr>
+        <p:spPr>
+          <a:xfrm>
+            <a:off x="2255520" y="2104889"/>
+            <a:ext cx="5700015" cy="477520"/>
+          </a:xfrm>
+          <a:prstGeom prst="roundRect">
+            <a:avLst/>
+          </a:prstGeom>
+          <a:solidFill>
+            <a:schemeClr val="bg2"/>
+          </a:solidFill>
+        </p:spPr>
+        <p:style>
+          <a:lnRef idx="2">
+            <a:schemeClr val="accent1">
+              <a:shade val="50000"/>
+            </a:schemeClr>
+          </a:lnRef>
+          <a:fillRef idx="1">
+            <a:schemeClr val="accent1"/>
+          </a:fillRef>
+          <a:effectRef idx="0">
+            <a:schemeClr val="accent1"/>
+          </a:effectRef>
+          <a:fontRef idx="minor">
+            <a:schemeClr val="lt1"/>
+          </a:fontRef>
+        </p:style>
+        <p:txBody>
+          <a:bodyPr rtlCol="0" anchor="ctr"/>
+          <a:lstStyle/>
+          <a:p>
+            <a:pPr algn="ctr"/>
+            <a:r>
+              <a:rPr lang="en-US">
+                <a:latin typeface="Calibri" panose="020F0502020204030204" pitchFamily="34" charset="0"/>
+                <a:cs typeface="Calibri" panose="020F0502020204030204" pitchFamily="34" charset="0"/>
+              </a:rPr>
+              <a:t>Enrolled students</a:t>
+            </a:r>
+          </a:p>
+        </p:txBody>
+      </p:sp>
+      <p:sp>
+        <p:nvSpPr>
+          <p:cNvPr id="9" name="Rectangle: Rounded Corners 8">
+            <a:extLst>
+              <a:ext uri="{FF2B5EF4-FFF2-40B4-BE49-F238E27FC236}">
+                <a16:creationId xmlns:a16="http://schemas.microsoft.com/office/drawing/2014/main" id="{CEC27EAF-EBA2-4F6D-B0D3-0D8869E415A3}"/>
+              </a:ext>
+            </a:extLst>
+          </p:cNvPr>
+          <p:cNvSpPr/>
+          <p:nvPr/>
+        </p:nvSpPr>
+        <p:spPr>
+          <a:xfrm>
+            <a:off x="8278218" y="2104889"/>
+            <a:ext cx="1884219" cy="477520"/>
+          </a:xfrm>
+          <a:prstGeom prst="roundRect">
+            <a:avLst/>
+          </a:prstGeom>
+          <a:solidFill>
+            <a:schemeClr val="bg2"/>
+          </a:solidFill>
+        </p:spPr>
+        <p:style>
+          <a:lnRef idx="2">
+            <a:schemeClr val="accent1">
+              <a:shade val="50000"/>
+            </a:schemeClr>
+          </a:lnRef>
+          <a:fillRef idx="1">
+            <a:schemeClr val="accent1"/>
+          </a:fillRef>
+          <a:effectRef idx="0">
+            <a:schemeClr val="accent1"/>
+          </a:effectRef>
+          <a:fontRef idx="minor">
+            <a:schemeClr val="lt1"/>
+          </a:fontRef>
+        </p:style>
+        <p:txBody>
+          <a:bodyPr rtlCol="0" anchor="ctr"/>
+          <a:lstStyle/>
+          <a:p>
+            <a:pPr algn="ctr"/>
+            <a:r>
+              <a:rPr lang="en-US">
+                <a:latin typeface="Calibri" panose="020F0502020204030204" pitchFamily="34" charset="0"/>
+                <a:cs typeface="Calibri" panose="020F0502020204030204" pitchFamily="34" charset="0"/>
+              </a:rPr>
+              <a:t>New students waiting to be enrolled</a:t>
+            </a:r>
+          </a:p>
+        </p:txBody>
+      </p:sp>
+      <p:sp>
+        <p:nvSpPr>
+          <p:cNvPr id="3" name="TextBox 2">
+            <a:extLst>
+              <a:ext uri="{FF2B5EF4-FFF2-40B4-BE49-F238E27FC236}">
+                <a16:creationId xmlns:a16="http://schemas.microsoft.com/office/drawing/2014/main" id="{FD910FEE-5B0B-4E50-B62D-2D142895AC35}"/>
+              </a:ext>
+            </a:extLst>
+          </p:cNvPr>
+          <p:cNvSpPr txBox="1"/>
+          <p:nvPr/>
+        </p:nvSpPr>
+        <p:spPr>
+          <a:xfrm>
+            <a:off x="2393171" y="3864075"/>
+            <a:ext cx="1500403" cy="523220"/>
+          </a:xfrm>
+          <a:prstGeom prst="rect">
+            <a:avLst/>
+          </a:prstGeom>
+          <a:noFill/>
+        </p:spPr>
+        <p:txBody>
+          <a:bodyPr wrap="square" rtlCol="0" anchor="ctr">
+            <a:spAutoFit/>
+          </a:bodyPr>
+          <a:lstStyle/>
+          <a:p>
+            <a:pPr algn="ctr"/>
+            <a:r>
+              <a:rPr lang="en-US"/>
+              <a:t># of enrolled students</a:t>
+            </a:r>
+          </a:p>
+        </p:txBody>
+      </p:sp>
+      <p:sp>
+        <p:nvSpPr>
+          <p:cNvPr id="13" name="TextBox 12">
+            <a:extLst>
+              <a:ext uri="{FF2B5EF4-FFF2-40B4-BE49-F238E27FC236}">
+                <a16:creationId xmlns:a16="http://schemas.microsoft.com/office/drawing/2014/main" id="{F6940B7B-7DF4-43AB-B155-0E3930AA0424}"/>
+              </a:ext>
+            </a:extLst>
+          </p:cNvPr>
+          <p:cNvSpPr txBox="1"/>
+          <p:nvPr/>
+        </p:nvSpPr>
+        <p:spPr>
+          <a:xfrm>
+            <a:off x="2393171" y="3208849"/>
+            <a:ext cx="1500403" cy="707886"/>
+          </a:xfrm>
+          <a:prstGeom prst="rect">
+            <a:avLst/>
+          </a:prstGeom>
+          <a:noFill/>
+        </p:spPr>
+        <p:txBody>
+          <a:bodyPr wrap="square" rtlCol="0" anchor="ctr">
+            <a:spAutoFit/>
+          </a:bodyPr>
+          <a:lstStyle/>
+          <a:p>
+            <a:pPr algn="ctr"/>
+            <a:r>
+              <a:rPr lang="en-US" sz="4000">
+                <a:solidFill>
+                  <a:schemeClr val="bg2"/>
+                </a:solidFill>
+              </a:rPr>
+              <a:t>#</a:t>
+            </a:r>
+          </a:p>
+        </p:txBody>
+      </p:sp>
+      <p:sp>
+        <p:nvSpPr>
+          <p:cNvPr id="14" name="TextBox 13">
+            <a:extLst>
+              <a:ext uri="{FF2B5EF4-FFF2-40B4-BE49-F238E27FC236}">
+                <a16:creationId xmlns:a16="http://schemas.microsoft.com/office/drawing/2014/main" id="{FCB87305-6DB9-4D69-8FEA-475EB7E82A60}"/>
+              </a:ext>
+            </a:extLst>
+          </p:cNvPr>
+          <p:cNvSpPr txBox="1"/>
+          <p:nvPr/>
+        </p:nvSpPr>
+        <p:spPr>
+          <a:xfrm>
+            <a:off x="4467778" y="3864075"/>
+            <a:ext cx="1500403" cy="523220"/>
+          </a:xfrm>
+          <a:prstGeom prst="rect">
+            <a:avLst/>
+          </a:prstGeom>
+          <a:noFill/>
+        </p:spPr>
+        <p:txBody>
+          <a:bodyPr wrap="square" rtlCol="0" anchor="ctr">
+            <a:spAutoFit/>
+          </a:bodyPr>
+          <a:lstStyle/>
+          <a:p>
+            <a:pPr algn="ctr"/>
+            <a:r>
+              <a:rPr lang="en-US"/>
+              <a:t>Dropped out students</a:t>
+            </a:r>
+          </a:p>
+        </p:txBody>
+      </p:sp>
+      <p:sp>
+        <p:nvSpPr>
+          <p:cNvPr id="15" name="TextBox 14">
+            <a:extLst>
+              <a:ext uri="{FF2B5EF4-FFF2-40B4-BE49-F238E27FC236}">
+                <a16:creationId xmlns:a16="http://schemas.microsoft.com/office/drawing/2014/main" id="{06D3E03C-26FD-4297-AF10-EF7C63A07B11}"/>
+              </a:ext>
+            </a:extLst>
+          </p:cNvPr>
+          <p:cNvSpPr txBox="1"/>
+          <p:nvPr/>
+        </p:nvSpPr>
+        <p:spPr>
+          <a:xfrm>
+            <a:off x="4467778" y="3208849"/>
+            <a:ext cx="1500403" cy="707886"/>
+          </a:xfrm>
+          <a:prstGeom prst="rect">
+            <a:avLst/>
+          </a:prstGeom>
+          <a:noFill/>
+        </p:spPr>
+        <p:txBody>
+          <a:bodyPr wrap="square" rtlCol="0" anchor="ctr">
+            <a:spAutoFit/>
+          </a:bodyPr>
+          <a:lstStyle/>
+          <a:p>
+            <a:pPr algn="ctr"/>
+            <a:r>
+              <a:rPr lang="en-US" sz="4000">
+                <a:solidFill>
+                  <a:schemeClr val="bg2"/>
+                </a:solidFill>
+              </a:rPr>
+              <a:t>#</a:t>
+            </a:r>
+          </a:p>
+        </p:txBody>
+      </p:sp>
+      <p:sp>
+        <p:nvSpPr>
+          <p:cNvPr id="16" name="TextBox 15">
+            <a:extLst>
+              <a:ext uri="{FF2B5EF4-FFF2-40B4-BE49-F238E27FC236}">
+                <a16:creationId xmlns:a16="http://schemas.microsoft.com/office/drawing/2014/main" id="{39C5CA1F-7D36-4A64-AC3D-B24E2DC4E8C0}"/>
+              </a:ext>
+            </a:extLst>
+          </p:cNvPr>
+          <p:cNvSpPr txBox="1"/>
+          <p:nvPr/>
+        </p:nvSpPr>
+        <p:spPr>
+          <a:xfrm>
+            <a:off x="6345739" y="3971796"/>
+            <a:ext cx="1500403" cy="307777"/>
+          </a:xfrm>
+          <a:prstGeom prst="rect">
+            <a:avLst/>
+          </a:prstGeom>
+          <a:noFill/>
+        </p:spPr>
+        <p:txBody>
+          <a:bodyPr wrap="square" rtlCol="0" anchor="ctr">
+            <a:spAutoFit/>
+          </a:bodyPr>
+          <a:lstStyle/>
+          <a:p>
+            <a:pPr algn="ctr"/>
+            <a:r>
+              <a:rPr lang="en-US"/>
+              <a:t>Failing students</a:t>
+            </a:r>
+          </a:p>
+        </p:txBody>
+      </p:sp>
+      <p:sp>
+        <p:nvSpPr>
+          <p:cNvPr id="17" name="TextBox 16">
+            <a:extLst>
+              <a:ext uri="{FF2B5EF4-FFF2-40B4-BE49-F238E27FC236}">
+                <a16:creationId xmlns:a16="http://schemas.microsoft.com/office/drawing/2014/main" id="{CC0CB944-9D56-4202-96D2-FC634F6EB309}"/>
+              </a:ext>
+            </a:extLst>
+          </p:cNvPr>
+          <p:cNvSpPr txBox="1"/>
+          <p:nvPr/>
+        </p:nvSpPr>
+        <p:spPr>
+          <a:xfrm>
+            <a:off x="6345739" y="3208849"/>
+            <a:ext cx="1500403" cy="707886"/>
+          </a:xfrm>
+          <a:prstGeom prst="rect">
+            <a:avLst/>
+          </a:prstGeom>
+          <a:noFill/>
+        </p:spPr>
+        <p:txBody>
+          <a:bodyPr wrap="square" rtlCol="0" anchor="ctr">
+            <a:spAutoFit/>
+          </a:bodyPr>
+          <a:lstStyle/>
+          <a:p>
+            <a:pPr algn="ctr"/>
+            <a:r>
+              <a:rPr lang="en-US" sz="4000">
+                <a:solidFill>
+                  <a:schemeClr val="bg2"/>
+                </a:solidFill>
+              </a:rPr>
+              <a:t>#</a:t>
+            </a:r>
+          </a:p>
+        </p:txBody>
+      </p:sp>
+      <p:sp>
+        <p:nvSpPr>
+          <p:cNvPr id="18" name="TextBox 17">
+            <a:extLst>
+              <a:ext uri="{FF2B5EF4-FFF2-40B4-BE49-F238E27FC236}">
+                <a16:creationId xmlns:a16="http://schemas.microsoft.com/office/drawing/2014/main" id="{9EC3B999-C452-49D0-961D-31482FC2401E}"/>
+              </a:ext>
+            </a:extLst>
+          </p:cNvPr>
+          <p:cNvSpPr txBox="1"/>
+          <p:nvPr/>
+        </p:nvSpPr>
+        <p:spPr>
+          <a:xfrm>
+            <a:off x="8521618" y="3421625"/>
+            <a:ext cx="1500403" cy="523220"/>
+          </a:xfrm>
+          <a:prstGeom prst="rect">
+            <a:avLst/>
+          </a:prstGeom>
+          <a:noFill/>
+        </p:spPr>
+        <p:txBody>
+          <a:bodyPr wrap="square" rtlCol="0" anchor="ctr">
+            <a:spAutoFit/>
+          </a:bodyPr>
+          <a:lstStyle/>
+          <a:p>
+            <a:pPr algn="ctr"/>
+            <a:r>
+              <a:rPr lang="en-US"/>
+              <a:t>Students contacted</a:t>
+            </a:r>
+          </a:p>
+        </p:txBody>
+      </p:sp>
+      <p:sp>
+        <p:nvSpPr>
+          <p:cNvPr id="19" name="TextBox 18">
+            <a:extLst>
+              <a:ext uri="{FF2B5EF4-FFF2-40B4-BE49-F238E27FC236}">
+                <a16:creationId xmlns:a16="http://schemas.microsoft.com/office/drawing/2014/main" id="{7207BDC8-C8B0-423E-8481-3AAC8D8608B9}"/>
+              </a:ext>
+            </a:extLst>
+          </p:cNvPr>
+          <p:cNvSpPr txBox="1"/>
+          <p:nvPr/>
+        </p:nvSpPr>
+        <p:spPr>
+          <a:xfrm>
+            <a:off x="8521618" y="2766399"/>
+            <a:ext cx="1500403" cy="707886"/>
+          </a:xfrm>
+          <a:prstGeom prst="rect">
+            <a:avLst/>
+          </a:prstGeom>
+          <a:noFill/>
+        </p:spPr>
+        <p:txBody>
+          <a:bodyPr wrap="square" rtlCol="0" anchor="ctr">
+            <a:spAutoFit/>
+          </a:bodyPr>
+          <a:lstStyle/>
+          <a:p>
+            <a:pPr algn="ctr"/>
+            <a:r>
+              <a:rPr lang="en-US" sz="4000">
+                <a:solidFill>
+                  <a:schemeClr val="bg2"/>
+                </a:solidFill>
+              </a:rPr>
+              <a:t>#</a:t>
+            </a:r>
+          </a:p>
+        </p:txBody>
+      </p:sp>
+      <p:sp>
+        <p:nvSpPr>
+          <p:cNvPr id="20" name="TextBox 19">
+            <a:extLst>
+              <a:ext uri="{FF2B5EF4-FFF2-40B4-BE49-F238E27FC236}">
+                <a16:creationId xmlns:a16="http://schemas.microsoft.com/office/drawing/2014/main" id="{A8F89A3E-44DA-43E8-8645-498D678A542F}"/>
+              </a:ext>
+            </a:extLst>
+          </p:cNvPr>
+          <p:cNvSpPr txBox="1"/>
+          <p:nvPr/>
+        </p:nvSpPr>
+        <p:spPr>
+          <a:xfrm>
+            <a:off x="8521618" y="4579718"/>
+            <a:ext cx="1500403" cy="523220"/>
+          </a:xfrm>
+          <a:prstGeom prst="rect">
+            <a:avLst/>
+          </a:prstGeom>
+          <a:noFill/>
+        </p:spPr>
+        <p:txBody>
+          <a:bodyPr wrap="square" rtlCol="0" anchor="ctr">
+            <a:spAutoFit/>
+          </a:bodyPr>
+          <a:lstStyle/>
+          <a:p>
+            <a:pPr algn="ctr"/>
+            <a:r>
+              <a:rPr lang="en-US"/>
+              <a:t>Students waiting to be contacted</a:t>
+            </a:r>
+          </a:p>
+        </p:txBody>
+      </p:sp>
+      <p:sp>
+        <p:nvSpPr>
+          <p:cNvPr id="21" name="TextBox 20">
+            <a:extLst>
+              <a:ext uri="{FF2B5EF4-FFF2-40B4-BE49-F238E27FC236}">
+                <a16:creationId xmlns:a16="http://schemas.microsoft.com/office/drawing/2014/main" id="{AEEE8B43-5944-425B-91FF-986F9B536236}"/>
+              </a:ext>
+            </a:extLst>
+          </p:cNvPr>
+          <p:cNvSpPr txBox="1"/>
+          <p:nvPr/>
+        </p:nvSpPr>
+        <p:spPr>
+          <a:xfrm>
+            <a:off x="8521618" y="3924492"/>
+            <a:ext cx="1500403" cy="707886"/>
+          </a:xfrm>
+          <a:prstGeom prst="rect">
+            <a:avLst/>
+          </a:prstGeom>
+          <a:noFill/>
+        </p:spPr>
+        <p:txBody>
+          <a:bodyPr wrap="square" rtlCol="0" anchor="ctr">
+            <a:spAutoFit/>
+          </a:bodyPr>
+          <a:lstStyle/>
+          <a:p>
+            <a:pPr algn="ctr"/>
+            <a:r>
+              <a:rPr lang="en-US" sz="4000">
+                <a:solidFill>
+                  <a:schemeClr val="bg2"/>
+                </a:solidFill>
+              </a:rPr>
+              <a:t>#</a:t>
+            </a:r>
+          </a:p>
+        </p:txBody>
+      </p:sp>
+      <p:sp>
+        <p:nvSpPr>
+          <p:cNvPr id="22" name="TextBox 21">
+            <a:extLst>
+              <a:ext uri="{FF2B5EF4-FFF2-40B4-BE49-F238E27FC236}">
+                <a16:creationId xmlns:a16="http://schemas.microsoft.com/office/drawing/2014/main" id="{678440BF-651D-46F0-9B2F-AD5873BE8C85}"/>
+              </a:ext>
+            </a:extLst>
+          </p:cNvPr>
+          <p:cNvSpPr txBox="1"/>
+          <p:nvPr/>
+        </p:nvSpPr>
+        <p:spPr>
+          <a:xfrm>
+            <a:off x="1910080" y="5857835"/>
+            <a:ext cx="6742307" cy="307777"/>
+          </a:xfrm>
+          <a:prstGeom prst="rect">
+            <a:avLst/>
+          </a:prstGeom>
+          <a:noFill/>
+        </p:spPr>
+        <p:txBody>
+          <a:bodyPr wrap="square" rtlCol="0">
+            <a:spAutoFit/>
+          </a:bodyPr>
+          <a:lstStyle/>
+          <a:p>
+            <a:r>
+              <a:rPr lang="en-US"/>
+              <a:t>I am a coach at Vinco and want to know how my students are doing</a:t>
+            </a:r>
+          </a:p>
+        </p:txBody>
+      </p:sp>
+      <p:sp>
+        <p:nvSpPr>
+          <p:cNvPr id="23" name="TextBox 22">
+            <a:extLst>
+              <a:ext uri="{FF2B5EF4-FFF2-40B4-BE49-F238E27FC236}">
+                <a16:creationId xmlns:a16="http://schemas.microsoft.com/office/drawing/2014/main" id="{F817B23D-5121-4714-904F-35189B35516D}"/>
+              </a:ext>
+            </a:extLst>
+          </p:cNvPr>
+          <p:cNvSpPr txBox="1"/>
+          <p:nvPr/>
+        </p:nvSpPr>
+        <p:spPr>
+          <a:xfrm>
+            <a:off x="1910080" y="6179490"/>
+            <a:ext cx="8974011" cy="307777"/>
+          </a:xfrm>
+          <a:prstGeom prst="rect">
+            <a:avLst/>
+          </a:prstGeom>
+          <a:noFill/>
+        </p:spPr>
+        <p:txBody>
+          <a:bodyPr wrap="square" rtlCol="0">
+            <a:spAutoFit/>
+          </a:bodyPr>
+          <a:lstStyle/>
+          <a:p>
+            <a:r>
+              <a:rPr lang="en-US"/>
+              <a:t>I am a coach at Vinco and want to know how many students are waiting to be enrolled</a:t>
+            </a:r>
+          </a:p>
+        </p:txBody>
+      </p:sp>
+      <p:sp>
+        <p:nvSpPr>
+          <p:cNvPr id="24" name="Rectangle: Rounded Corners 23">
+            <a:extLst>
+              <a:ext uri="{FF2B5EF4-FFF2-40B4-BE49-F238E27FC236}">
+                <a16:creationId xmlns:a16="http://schemas.microsoft.com/office/drawing/2014/main" id="{5DE0BF32-2659-40B9-8DB6-30B202048276}"/>
+              </a:ext>
+            </a:extLst>
+          </p:cNvPr>
+          <p:cNvSpPr/>
+          <p:nvPr/>
+        </p:nvSpPr>
+        <p:spPr>
+          <a:xfrm>
+            <a:off x="10026101" y="4360375"/>
+            <a:ext cx="1884219" cy="477520"/>
+          </a:xfrm>
+          <a:prstGeom prst="roundRect">
+            <a:avLst/>
+          </a:prstGeom>
+          <a:solidFill>
+            <a:schemeClr val="accent5"/>
+          </a:solidFill>
+          <a:ln w="25400" cap="flat" cmpd="sng" algn="ctr">
+            <a:solidFill>
+              <a:schemeClr val="accent5"/>
+            </a:solidFill>
+            <a:prstDash val="solid"/>
+            <a:round/>
+            <a:headEnd type="none" w="med" len="med"/>
+            <a:tailEnd type="none" w="med" len="med"/>
+          </a:ln>
+        </p:spPr>
+        <p:style>
+          <a:lnRef idx="2">
+            <a:schemeClr val="accent1">
+              <a:shade val="50000"/>
+            </a:schemeClr>
+          </a:lnRef>
+          <a:fillRef idx="1">
+            <a:schemeClr val="accent1"/>
+          </a:fillRef>
+          <a:effectRef idx="0">
+            <a:schemeClr val="accent1"/>
+          </a:effectRef>
+          <a:fontRef idx="minor">
+            <a:schemeClr val="lt1"/>
+          </a:fontRef>
+        </p:style>
+        <p:txBody>
+          <a:bodyPr rtlCol="0" anchor="ctr"/>
+          <a:lstStyle/>
+          <a:p>
+            <a:pPr algn="ctr"/>
+            <a:r>
+              <a:rPr lang="en-US" sz="1200">
+                <a:latin typeface="Calibri" panose="020F0502020204030204" pitchFamily="34" charset="0"/>
+                <a:cs typeface="Calibri" panose="020F0502020204030204" pitchFamily="34" charset="0"/>
+              </a:rPr>
+              <a:t>Reads non-contacted students from backend</a:t>
+            </a:r>
+          </a:p>
+        </p:txBody>
+      </p:sp>
+      <p:sp>
+        <p:nvSpPr>
+          <p:cNvPr id="25" name="Rectangle: Rounded Corners 24">
+            <a:extLst>
+              <a:ext uri="{FF2B5EF4-FFF2-40B4-BE49-F238E27FC236}">
+                <a16:creationId xmlns:a16="http://schemas.microsoft.com/office/drawing/2014/main" id="{E57BDDBB-0D99-4DE5-BA6B-3A4185B9D717}"/>
+              </a:ext>
+            </a:extLst>
+          </p:cNvPr>
+          <p:cNvSpPr/>
+          <p:nvPr/>
+        </p:nvSpPr>
+        <p:spPr>
+          <a:xfrm>
+            <a:off x="10026101" y="2955861"/>
+            <a:ext cx="1884219" cy="699137"/>
+          </a:xfrm>
+          <a:prstGeom prst="roundRect">
+            <a:avLst/>
+          </a:prstGeom>
+          <a:solidFill>
+            <a:schemeClr val="accent5"/>
+          </a:solidFill>
+          <a:ln w="25400" cap="flat" cmpd="sng" algn="ctr">
+            <a:solidFill>
+              <a:schemeClr val="accent5"/>
+            </a:solidFill>
+            <a:prstDash val="solid"/>
+            <a:round/>
+            <a:headEnd type="none" w="med" len="med"/>
+            <a:tailEnd type="none" w="med" len="med"/>
+          </a:ln>
+        </p:spPr>
+        <p:style>
+          <a:lnRef idx="2">
+            <a:schemeClr val="accent1">
+              <a:shade val="50000"/>
+            </a:schemeClr>
+          </a:lnRef>
+          <a:fillRef idx="1">
+            <a:schemeClr val="accent1"/>
+          </a:fillRef>
+          <a:effectRef idx="0">
+            <a:schemeClr val="accent1"/>
+          </a:effectRef>
+          <a:fontRef idx="minor">
+            <a:schemeClr val="lt1"/>
+          </a:fontRef>
+        </p:style>
+        <p:txBody>
+          <a:bodyPr rtlCol="0" anchor="ctr"/>
+          <a:lstStyle/>
+          <a:p>
+            <a:pPr algn="ctr"/>
+            <a:r>
+              <a:rPr lang="en-US" sz="1200" dirty="0">
+                <a:latin typeface="Calibri" panose="020F0502020204030204" pitchFamily="34" charset="0"/>
+                <a:cs typeface="Calibri" panose="020F0502020204030204" pitchFamily="34" charset="0"/>
+              </a:rPr>
+              <a:t>Reads contacted students from backend</a:t>
+            </a:r>
+          </a:p>
+          <a:p>
+            <a:pPr algn="ctr"/>
+            <a:r>
+              <a:rPr lang="en-US" sz="1200" dirty="0">
+                <a:latin typeface="Calibri" panose="020F0502020204030204" pitchFamily="34" charset="0"/>
+                <a:cs typeface="Calibri" panose="020F0502020204030204" pitchFamily="34" charset="0"/>
+              </a:rPr>
+              <a:t>By current coach</a:t>
+            </a:r>
+          </a:p>
+        </p:txBody>
+      </p:sp>
+    </p:spTree>
+    <p:extLst>
+      <p:ext uri="{BB962C8B-B14F-4D97-AF65-F5344CB8AC3E}">
+        <p14:creationId xmlns:p14="http://schemas.microsoft.com/office/powerpoint/2010/main" val="788057079"/>
+      </p:ext>
+    </p:extLst>
+  </p:cSld>
+  <p:clrMapOvr>
+    <a:masterClrMapping/>
+  </p:clrMapOvr>
+</p:sld>
+</file>
+
+<file path=ppt/slides/slide5.xml><?xml version="1.0" encoding="utf-8"?>
+<p:sld xmlns:a="http://schemas.openxmlformats.org/drawingml/2006/main" xmlns:r="http://schemas.openxmlformats.org/officeDocument/2006/relationships" xmlns:p="http://schemas.openxmlformats.org/presentationml/2006/main">
+  <p:cSld>
+    <p:spTree>
+      <p:nvGrpSpPr>
+        <p:cNvPr id="1" name=""/>
+        <p:cNvGrpSpPr/>
+        <p:nvPr/>
+      </p:nvGrpSpPr>
+      <p:grpSpPr>
+        <a:xfrm>
+          <a:off x="0" y="0"/>
+          <a:ext cx="0" cy="0"/>
+          <a:chOff x="0" y="0"/>
+          <a:chExt cx="0" cy="0"/>
+        </a:xfrm>
+      </p:grpSpPr>
+      <p:graphicFrame>
+        <p:nvGraphicFramePr>
+          <p:cNvPr id="32" name="Object 31" hidden="1">
+            <a:extLst>
+              <a:ext uri="{FF2B5EF4-FFF2-40B4-BE49-F238E27FC236}">
+                <a16:creationId xmlns:a16="http://schemas.microsoft.com/office/drawing/2014/main" id="{E94BF033-F4E9-4C18-A0D3-0321EB5EE209}"/>
+              </a:ext>
+            </a:extLst>
+          </p:cNvPr>
+          <p:cNvGraphicFramePr>
+            <a:graphicFrameLocks noChangeAspect="1"/>
+          </p:cNvGraphicFramePr>
+          <p:nvPr>
+            <p:custDataLst>
+              <p:tags r:id="rId1"/>
+            </p:custDataLst>
+            <p:extLst>
+              <p:ext uri="{D42A27DB-BD31-4B8C-83A1-F6EECF244321}">
+                <p14:modId xmlns:p14="http://schemas.microsoft.com/office/powerpoint/2010/main" val="4184205791"/>
+              </p:ext>
+            </p:extLst>
+          </p:nvPr>
+        </p:nvGraphicFramePr>
+        <p:xfrm>
+          <a:off x="1588" y="1588"/>
+          <a:ext cx="1588" cy="1588"/>
+        </p:xfrm>
+        <a:graphic>
+          <a:graphicData uri="http://schemas.openxmlformats.org/presentationml/2006/ole">
+            <mc:AlternateContent xmlns:mc="http://schemas.openxmlformats.org/markup-compatibility/2006">
+              <mc:Choice xmlns:v="urn:schemas-microsoft-com:vml" Requires="v">
+                <p:oleObj name="think-cell Slide" r:id="rId3" imgW="416" imgH="416" progId="TCLayout.ActiveDocument.1">
+                  <p:embed/>
+                </p:oleObj>
+              </mc:Choice>
+              <mc:Fallback>
+                <p:oleObj name="think-cell Slide" r:id="rId3" imgW="416" imgH="416" progId="TCLayout.ActiveDocument.1">
+                  <p:embed/>
+                  <p:pic>
+                    <p:nvPicPr>
+                      <p:cNvPr id="0" name=""/>
+                      <p:cNvPicPr/>
+                      <p:nvPr/>
+                    </p:nvPicPr>
+                    <p:blipFill>
+                      <a:blip r:embed="rId4"/>
+                      <a:stretch>
+                        <a:fillRect/>
+                      </a:stretch>
+                    </p:blipFill>
+                    <p:spPr>
+                      <a:xfrm>
+                        <a:off x="1588" y="1588"/>
+                        <a:ext cx="1588" cy="1588"/>
+                      </a:xfrm>
+                      <a:prstGeom prst="rect">
+                        <a:avLst/>
+                      </a:prstGeom>
+                    </p:spPr>
+                  </p:pic>
+                </p:oleObj>
+              </mc:Fallback>
+            </mc:AlternateContent>
+          </a:graphicData>
+        </a:graphic>
+      </p:graphicFrame>
+      <p:sp>
+        <p:nvSpPr>
+          <p:cNvPr id="2" name="Title 1">
+            <a:extLst>
+              <a:ext uri="{FF2B5EF4-FFF2-40B4-BE49-F238E27FC236}">
+                <a16:creationId xmlns:a16="http://schemas.microsoft.com/office/drawing/2014/main" id="{E796AA46-ADDD-480D-8D6D-2499D908676C}"/>
+              </a:ext>
+            </a:extLst>
+          </p:cNvPr>
+          <p:cNvSpPr>
+            <a:spLocks noGrp="1"/>
+          </p:cNvSpPr>
+          <p:nvPr>
+            <p:ph type="title"/>
+          </p:nvPr>
+        </p:nvSpPr>
+        <p:spPr/>
+        <p:txBody>
+          <a:bodyPr vert="horz"/>
+          <a:lstStyle/>
+          <a:p>
+            <a:r>
+              <a:rPr lang="en-US"/>
+              <a:t>Page for coaches to say they have contacted students</a:t>
+            </a:r>
+          </a:p>
+        </p:txBody>
+      </p:sp>
+      <p:sp>
+        <p:nvSpPr>
+          <p:cNvPr id="4" name="Slide Number Placeholder 3">
+            <a:extLst>
+              <a:ext uri="{FF2B5EF4-FFF2-40B4-BE49-F238E27FC236}">
+                <a16:creationId xmlns:a16="http://schemas.microsoft.com/office/drawing/2014/main" id="{C9791588-769B-4874-8DED-A2E09DFC586D}"/>
+              </a:ext>
+            </a:extLst>
+          </p:cNvPr>
+          <p:cNvSpPr>
+            <a:spLocks noGrp="1"/>
+          </p:cNvSpPr>
+          <p:nvPr>
+            <p:ph type="sldNum" idx="12"/>
+          </p:nvPr>
+        </p:nvSpPr>
+        <p:spPr/>
+        <p:txBody>
+          <a:bodyPr/>
+          <a:lstStyle/>
+          <a:p>
+            <a:pPr marL="0" lvl="0" indent="0" algn="ctr">
+              <a:spcBef>
+                <a:spcPts val="0"/>
+              </a:spcBef>
+              <a:spcAft>
+                <a:spcPts val="0"/>
+              </a:spcAft>
+              <a:buNone/>
+            </a:pPr>
+            <a:fld id="{00000000-1234-1234-1234-123412341234}" type="slidenum">
+              <a:rPr lang="en-US" smtClean="0"/>
+              <a:pPr marL="0" lvl="0" indent="0" algn="ctr">
+                <a:spcBef>
+                  <a:spcPts val="0"/>
+                </a:spcBef>
+                <a:spcAft>
+                  <a:spcPts val="0"/>
+                </a:spcAft>
+                <a:buNone/>
+              </a:pPr>
+              <a:t>5</a:t>
+            </a:fld>
+            <a:endParaRPr lang="en-US"/>
+          </a:p>
+        </p:txBody>
+      </p:sp>
+      <p:sp>
+        <p:nvSpPr>
+          <p:cNvPr id="5" name="Rectangle 4">
+            <a:extLst>
+              <a:ext uri="{FF2B5EF4-FFF2-40B4-BE49-F238E27FC236}">
+                <a16:creationId xmlns:a16="http://schemas.microsoft.com/office/drawing/2014/main" id="{806CAFB7-C763-486D-9CE2-18D8E68223E6}"/>
+              </a:ext>
+            </a:extLst>
+          </p:cNvPr>
+          <p:cNvSpPr/>
+          <p:nvPr/>
+        </p:nvSpPr>
+        <p:spPr>
+          <a:xfrm>
+            <a:off x="1910080" y="1849120"/>
+            <a:ext cx="8575040" cy="3794596"/>
+          </a:xfrm>
+          <a:prstGeom prst="rect">
+            <a:avLst/>
+          </a:prstGeom>
+          <a:solidFill>
+            <a:schemeClr val="bg1"/>
+          </a:solidFill>
+        </p:spPr>
+        <p:style>
+          <a:lnRef idx="2">
+            <a:schemeClr val="accent1">
+              <a:shade val="50000"/>
+            </a:schemeClr>
+          </a:lnRef>
+          <a:fillRef idx="1">
+            <a:schemeClr val="accent1"/>
+          </a:fillRef>
+          <a:effectRef idx="0">
+            <a:schemeClr val="accent1"/>
+          </a:effectRef>
+          <a:fontRef idx="minor">
+            <a:schemeClr val="lt1"/>
+          </a:fontRef>
+        </p:style>
+        <p:txBody>
+          <a:bodyPr rtlCol="0" anchor="ctr"/>
+          <a:lstStyle/>
+          <a:p>
+            <a:pPr algn="ctr"/>
+            <a:endParaRPr lang="en-US"/>
+          </a:p>
+        </p:txBody>
+      </p:sp>
+      <p:sp>
+        <p:nvSpPr>
+          <p:cNvPr id="6" name="Rectangle: Rounded Corners 5">
+            <a:extLst>
+              <a:ext uri="{FF2B5EF4-FFF2-40B4-BE49-F238E27FC236}">
+                <a16:creationId xmlns:a16="http://schemas.microsoft.com/office/drawing/2014/main" id="{FAE9E336-9A23-4D9E-B0BE-F93228E4209F}"/>
+              </a:ext>
+            </a:extLst>
+          </p:cNvPr>
+          <p:cNvSpPr/>
+          <p:nvPr/>
+        </p:nvSpPr>
+        <p:spPr>
+          <a:xfrm>
+            <a:off x="2255520" y="2458852"/>
+            <a:ext cx="1415641" cy="477520"/>
+          </a:xfrm>
+          <a:prstGeom prst="roundRect">
+            <a:avLst/>
+          </a:prstGeom>
+          <a:solidFill>
+            <a:schemeClr val="bg2"/>
+          </a:solidFill>
+        </p:spPr>
+        <p:style>
+          <a:lnRef idx="2">
+            <a:schemeClr val="accent1">
+              <a:shade val="50000"/>
+            </a:schemeClr>
+          </a:lnRef>
+          <a:fillRef idx="1">
+            <a:schemeClr val="accent1"/>
+          </a:fillRef>
+          <a:effectRef idx="0">
+            <a:schemeClr val="accent1"/>
+          </a:effectRef>
+          <a:fontRef idx="minor">
+            <a:schemeClr val="lt1"/>
+          </a:fontRef>
+        </p:style>
+        <p:txBody>
+          <a:bodyPr rtlCol="0" anchor="ctr"/>
+          <a:lstStyle/>
+          <a:p>
+            <a:pPr algn="ctr"/>
+            <a:r>
+              <a:rPr lang="en-US" dirty="0">
+                <a:latin typeface="Calibri" panose="020F0502020204030204" pitchFamily="34" charset="0"/>
+                <a:cs typeface="Calibri" panose="020F0502020204030204" pitchFamily="34" charset="0"/>
+              </a:rPr>
+              <a:t>Student</a:t>
+            </a:r>
+          </a:p>
+        </p:txBody>
+      </p:sp>
+      <p:sp>
+        <p:nvSpPr>
+          <p:cNvPr id="7" name="Rectangle: Rounded Corners 6">
+            <a:extLst>
+              <a:ext uri="{FF2B5EF4-FFF2-40B4-BE49-F238E27FC236}">
+                <a16:creationId xmlns:a16="http://schemas.microsoft.com/office/drawing/2014/main" id="{46B5F577-B750-4977-A75B-055A0D71EE24}"/>
+              </a:ext>
+            </a:extLst>
+          </p:cNvPr>
+          <p:cNvSpPr/>
+          <p:nvPr/>
+        </p:nvSpPr>
+        <p:spPr>
+          <a:xfrm>
+            <a:off x="8633787" y="2458852"/>
+            <a:ext cx="1415641" cy="477520"/>
+          </a:xfrm>
+          <a:prstGeom prst="roundRect">
+            <a:avLst/>
+          </a:prstGeom>
+          <a:solidFill>
+            <a:schemeClr val="bg2"/>
+          </a:solidFill>
+        </p:spPr>
+        <p:style>
+          <a:lnRef idx="2">
+            <a:schemeClr val="accent1">
+              <a:shade val="50000"/>
+            </a:schemeClr>
+          </a:lnRef>
+          <a:fillRef idx="1">
+            <a:schemeClr val="accent1"/>
+          </a:fillRef>
+          <a:effectRef idx="0">
+            <a:schemeClr val="accent1"/>
+          </a:effectRef>
+          <a:fontRef idx="minor">
+            <a:schemeClr val="lt1"/>
+          </a:fontRef>
+        </p:style>
+        <p:txBody>
+          <a:bodyPr rtlCol="0" anchor="ctr"/>
+          <a:lstStyle/>
+          <a:p>
+            <a:pPr algn="ctr"/>
+            <a:r>
+              <a:rPr lang="en-US">
+                <a:latin typeface="Calibri" panose="020F0502020204030204" pitchFamily="34" charset="0"/>
+                <a:cs typeface="Calibri" panose="020F0502020204030204" pitchFamily="34" charset="0"/>
+              </a:rPr>
+              <a:t>Contacted</a:t>
+            </a:r>
+          </a:p>
+        </p:txBody>
+      </p:sp>
+      <p:sp>
+        <p:nvSpPr>
+          <p:cNvPr id="10" name="Rectangle: Rounded Corners 9">
+            <a:extLst>
+              <a:ext uri="{FF2B5EF4-FFF2-40B4-BE49-F238E27FC236}">
+                <a16:creationId xmlns:a16="http://schemas.microsoft.com/office/drawing/2014/main" id="{BB83FE5A-864D-46E7-B4CA-8D1C3F1D3D2F}"/>
+              </a:ext>
+            </a:extLst>
+          </p:cNvPr>
+          <p:cNvSpPr/>
+          <p:nvPr/>
+        </p:nvSpPr>
+        <p:spPr>
+          <a:xfrm>
+            <a:off x="3814696" y="2458852"/>
+            <a:ext cx="1415641" cy="477520"/>
+          </a:xfrm>
+          <a:prstGeom prst="roundRect">
+            <a:avLst/>
+          </a:prstGeom>
+          <a:solidFill>
+            <a:schemeClr val="bg2"/>
+          </a:solidFill>
+        </p:spPr>
+        <p:style>
+          <a:lnRef idx="2">
+            <a:schemeClr val="accent1">
+              <a:shade val="50000"/>
+            </a:schemeClr>
+          </a:lnRef>
+          <a:fillRef idx="1">
+            <a:schemeClr val="accent1"/>
+          </a:fillRef>
+          <a:effectRef idx="0">
+            <a:schemeClr val="accent1"/>
+          </a:effectRef>
+          <a:fontRef idx="minor">
+            <a:schemeClr val="lt1"/>
+          </a:fontRef>
+        </p:style>
+        <p:txBody>
+          <a:bodyPr rtlCol="0" anchor="ctr"/>
+          <a:lstStyle/>
+          <a:p>
+            <a:pPr algn="ctr"/>
+            <a:r>
+              <a:rPr lang="en-US">
+                <a:latin typeface="Calibri" panose="020F0502020204030204" pitchFamily="34" charset="0"/>
+                <a:cs typeface="Calibri" panose="020F0502020204030204" pitchFamily="34" charset="0"/>
+              </a:rPr>
+              <a:t>Education Program</a:t>
+            </a:r>
+          </a:p>
+        </p:txBody>
+      </p:sp>
+      <p:sp>
+        <p:nvSpPr>
+          <p:cNvPr id="12" name="Rectangle: Rounded Corners 11">
+            <a:extLst>
+              <a:ext uri="{FF2B5EF4-FFF2-40B4-BE49-F238E27FC236}">
+                <a16:creationId xmlns:a16="http://schemas.microsoft.com/office/drawing/2014/main" id="{EDD10277-5933-4415-AC6D-FFA138493C05}"/>
+              </a:ext>
+            </a:extLst>
+          </p:cNvPr>
+          <p:cNvSpPr/>
+          <p:nvPr/>
+        </p:nvSpPr>
+        <p:spPr>
+          <a:xfrm>
+            <a:off x="5373872" y="2458852"/>
+            <a:ext cx="1415641" cy="477520"/>
+          </a:xfrm>
+          <a:prstGeom prst="roundRect">
+            <a:avLst/>
+          </a:prstGeom>
+          <a:solidFill>
+            <a:schemeClr val="bg2"/>
+          </a:solidFill>
+        </p:spPr>
+        <p:style>
+          <a:lnRef idx="2">
+            <a:schemeClr val="accent1">
+              <a:shade val="50000"/>
+            </a:schemeClr>
+          </a:lnRef>
+          <a:fillRef idx="1">
+            <a:schemeClr val="accent1"/>
+          </a:fillRef>
+          <a:effectRef idx="0">
+            <a:schemeClr val="accent1"/>
+          </a:effectRef>
+          <a:fontRef idx="minor">
+            <a:schemeClr val="lt1"/>
+          </a:fontRef>
+        </p:style>
+        <p:txBody>
+          <a:bodyPr rtlCol="0" anchor="ctr"/>
+          <a:lstStyle/>
+          <a:p>
+            <a:pPr algn="ctr"/>
+            <a:r>
+              <a:rPr lang="en-US">
+                <a:latin typeface="Calibri" panose="020F0502020204030204" pitchFamily="34" charset="0"/>
+                <a:cs typeface="Calibri" panose="020F0502020204030204" pitchFamily="34" charset="0"/>
+              </a:rPr>
+              <a:t>Company</a:t>
+            </a:r>
+          </a:p>
+        </p:txBody>
+      </p:sp>
+      <p:sp>
+        <p:nvSpPr>
+          <p:cNvPr id="13" name="TextBox 12">
+            <a:extLst>
+              <a:ext uri="{FF2B5EF4-FFF2-40B4-BE49-F238E27FC236}">
+                <a16:creationId xmlns:a16="http://schemas.microsoft.com/office/drawing/2014/main" id="{597F1EE9-61D6-4565-8770-998EA16602C4}"/>
+              </a:ext>
+            </a:extLst>
+          </p:cNvPr>
+          <p:cNvSpPr txBox="1"/>
+          <p:nvPr/>
+        </p:nvSpPr>
+        <p:spPr>
+          <a:xfrm>
+            <a:off x="2255520" y="3114299"/>
+            <a:ext cx="1415641" cy="307777"/>
+          </a:xfrm>
+          <a:prstGeom prst="rect">
+            <a:avLst/>
+          </a:prstGeom>
+          <a:noFill/>
+        </p:spPr>
+        <p:txBody>
+          <a:bodyPr wrap="square" rtlCol="0">
+            <a:spAutoFit/>
+          </a:bodyPr>
+          <a:lstStyle/>
+          <a:p>
+            <a:r>
+              <a:rPr lang="en-US">
+                <a:latin typeface="Calibri" panose="020F0502020204030204" pitchFamily="34" charset="0"/>
+                <a:cs typeface="Calibri" panose="020F0502020204030204" pitchFamily="34" charset="0"/>
+              </a:rPr>
+              <a:t>Name of student</a:t>
+            </a:r>
+          </a:p>
+        </p:txBody>
+      </p:sp>
+      <p:sp>
+        <p:nvSpPr>
+          <p:cNvPr id="17" name="TextBox 16">
+            <a:extLst>
+              <a:ext uri="{FF2B5EF4-FFF2-40B4-BE49-F238E27FC236}">
+                <a16:creationId xmlns:a16="http://schemas.microsoft.com/office/drawing/2014/main" id="{B41A24E2-2F2E-4320-88F4-68C6E74E342C}"/>
+              </a:ext>
+            </a:extLst>
+          </p:cNvPr>
+          <p:cNvSpPr txBox="1"/>
+          <p:nvPr/>
+        </p:nvSpPr>
+        <p:spPr>
+          <a:xfrm>
+            <a:off x="3814696" y="3114299"/>
+            <a:ext cx="1415641" cy="307777"/>
+          </a:xfrm>
+          <a:prstGeom prst="rect">
+            <a:avLst/>
+          </a:prstGeom>
+          <a:noFill/>
+        </p:spPr>
+        <p:txBody>
+          <a:bodyPr wrap="square" rtlCol="0">
+            <a:spAutoFit/>
+          </a:bodyPr>
+          <a:lstStyle/>
+          <a:p>
+            <a:r>
+              <a:rPr lang="en-US">
+                <a:latin typeface="Calibri" panose="020F0502020204030204" pitchFamily="34" charset="0"/>
+                <a:cs typeface="Calibri" panose="020F0502020204030204" pitchFamily="34" charset="0"/>
+              </a:rPr>
+              <a:t>Type of program</a:t>
+            </a:r>
+          </a:p>
+        </p:txBody>
+      </p:sp>
+      <p:sp>
+        <p:nvSpPr>
+          <p:cNvPr id="18" name="TextBox 17">
+            <a:extLst>
+              <a:ext uri="{FF2B5EF4-FFF2-40B4-BE49-F238E27FC236}">
+                <a16:creationId xmlns:a16="http://schemas.microsoft.com/office/drawing/2014/main" id="{2C7B6191-A37E-4C06-A1F1-BD2AAC7BD96C}"/>
+              </a:ext>
+            </a:extLst>
+          </p:cNvPr>
+          <p:cNvSpPr txBox="1"/>
+          <p:nvPr/>
+        </p:nvSpPr>
+        <p:spPr>
+          <a:xfrm>
+            <a:off x="5373872" y="3114299"/>
+            <a:ext cx="1415641" cy="307777"/>
+          </a:xfrm>
+          <a:prstGeom prst="rect">
+            <a:avLst/>
+          </a:prstGeom>
+          <a:noFill/>
+        </p:spPr>
+        <p:txBody>
+          <a:bodyPr wrap="square" rtlCol="0">
+            <a:spAutoFit/>
+          </a:bodyPr>
+          <a:lstStyle/>
+          <a:p>
+            <a:r>
+              <a:rPr lang="en-US">
+                <a:latin typeface="Calibri" panose="020F0502020204030204" pitchFamily="34" charset="0"/>
+                <a:cs typeface="Calibri" panose="020F0502020204030204" pitchFamily="34" charset="0"/>
+              </a:rPr>
+              <a:t>Company Name</a:t>
+            </a:r>
+          </a:p>
+        </p:txBody>
+      </p:sp>
+      <p:sp>
+        <p:nvSpPr>
+          <p:cNvPr id="19" name="TextBox 18">
+            <a:extLst>
+              <a:ext uri="{FF2B5EF4-FFF2-40B4-BE49-F238E27FC236}">
+                <a16:creationId xmlns:a16="http://schemas.microsoft.com/office/drawing/2014/main" id="{83479579-2739-47E1-A404-D3B179BA4F03}"/>
+              </a:ext>
+            </a:extLst>
+          </p:cNvPr>
+          <p:cNvSpPr txBox="1"/>
+          <p:nvPr/>
+        </p:nvSpPr>
+        <p:spPr>
+          <a:xfrm>
+            <a:off x="2255520" y="3749302"/>
+            <a:ext cx="1415641" cy="307777"/>
+          </a:xfrm>
+          <a:prstGeom prst="rect">
+            <a:avLst/>
+          </a:prstGeom>
+          <a:noFill/>
+        </p:spPr>
+        <p:txBody>
+          <a:bodyPr wrap="square" rtlCol="0">
+            <a:spAutoFit/>
+          </a:bodyPr>
+          <a:lstStyle/>
+          <a:p>
+            <a:r>
+              <a:rPr lang="en-US">
+                <a:latin typeface="Calibri" panose="020F0502020204030204" pitchFamily="34" charset="0"/>
+                <a:cs typeface="Calibri" panose="020F0502020204030204" pitchFamily="34" charset="0"/>
+              </a:rPr>
+              <a:t>Name of student</a:t>
+            </a:r>
+          </a:p>
+        </p:txBody>
+      </p:sp>
+      <p:sp>
+        <p:nvSpPr>
+          <p:cNvPr id="23" name="TextBox 22">
+            <a:extLst>
+              <a:ext uri="{FF2B5EF4-FFF2-40B4-BE49-F238E27FC236}">
+                <a16:creationId xmlns:a16="http://schemas.microsoft.com/office/drawing/2014/main" id="{24BC445C-D1AD-4313-A42C-F7C84FE07406}"/>
+              </a:ext>
+            </a:extLst>
+          </p:cNvPr>
+          <p:cNvSpPr txBox="1"/>
+          <p:nvPr/>
+        </p:nvSpPr>
+        <p:spPr>
+          <a:xfrm>
+            <a:off x="3814696" y="3749302"/>
+            <a:ext cx="1415641" cy="307777"/>
+          </a:xfrm>
+          <a:prstGeom prst="rect">
+            <a:avLst/>
+          </a:prstGeom>
+          <a:noFill/>
+        </p:spPr>
+        <p:txBody>
+          <a:bodyPr wrap="square" rtlCol="0">
+            <a:spAutoFit/>
+          </a:bodyPr>
+          <a:lstStyle/>
+          <a:p>
+            <a:r>
+              <a:rPr lang="en-US">
+                <a:latin typeface="Calibri" panose="020F0502020204030204" pitchFamily="34" charset="0"/>
+                <a:cs typeface="Calibri" panose="020F0502020204030204" pitchFamily="34" charset="0"/>
+              </a:rPr>
+              <a:t>Type of program</a:t>
+            </a:r>
+          </a:p>
+        </p:txBody>
+      </p:sp>
+      <p:sp>
+        <p:nvSpPr>
+          <p:cNvPr id="24" name="TextBox 23">
+            <a:extLst>
+              <a:ext uri="{FF2B5EF4-FFF2-40B4-BE49-F238E27FC236}">
+                <a16:creationId xmlns:a16="http://schemas.microsoft.com/office/drawing/2014/main" id="{55F0E09E-0437-47F0-AB79-94018A56D045}"/>
+              </a:ext>
+            </a:extLst>
+          </p:cNvPr>
+          <p:cNvSpPr txBox="1"/>
+          <p:nvPr/>
+        </p:nvSpPr>
+        <p:spPr>
+          <a:xfrm>
+            <a:off x="5373872" y="3749301"/>
+            <a:ext cx="1415641" cy="307777"/>
+          </a:xfrm>
+          <a:prstGeom prst="rect">
+            <a:avLst/>
+          </a:prstGeom>
+          <a:noFill/>
+        </p:spPr>
+        <p:txBody>
+          <a:bodyPr wrap="square" rtlCol="0">
+            <a:spAutoFit/>
+          </a:bodyPr>
+          <a:lstStyle/>
+          <a:p>
+            <a:r>
+              <a:rPr lang="en-US">
+                <a:latin typeface="Calibri" panose="020F0502020204030204" pitchFamily="34" charset="0"/>
+                <a:cs typeface="Calibri" panose="020F0502020204030204" pitchFamily="34" charset="0"/>
+              </a:rPr>
+              <a:t>Company Name</a:t>
+            </a:r>
+          </a:p>
+        </p:txBody>
+      </p:sp>
+      <p:sp>
+        <p:nvSpPr>
+          <p:cNvPr id="25" name="TextBox 24">
+            <a:extLst>
+              <a:ext uri="{FF2B5EF4-FFF2-40B4-BE49-F238E27FC236}">
+                <a16:creationId xmlns:a16="http://schemas.microsoft.com/office/drawing/2014/main" id="{0EFD233D-9E66-473F-A500-DD5BDAA4EF82}"/>
+              </a:ext>
+            </a:extLst>
+          </p:cNvPr>
+          <p:cNvSpPr txBox="1"/>
+          <p:nvPr/>
+        </p:nvSpPr>
+        <p:spPr>
+          <a:xfrm>
+            <a:off x="2255520" y="4384304"/>
+            <a:ext cx="1415641" cy="307777"/>
+          </a:xfrm>
+          <a:prstGeom prst="rect">
+            <a:avLst/>
+          </a:prstGeom>
+          <a:noFill/>
+        </p:spPr>
+        <p:txBody>
+          <a:bodyPr wrap="square" rtlCol="0">
+            <a:spAutoFit/>
+          </a:bodyPr>
+          <a:lstStyle/>
+          <a:p>
+            <a:r>
+              <a:rPr lang="en-US" dirty="0">
+                <a:latin typeface="Calibri" panose="020F0502020204030204" pitchFamily="34" charset="0"/>
+                <a:cs typeface="Calibri" panose="020F0502020204030204" pitchFamily="34" charset="0"/>
+              </a:rPr>
+              <a:t>Name of student</a:t>
+            </a:r>
+          </a:p>
+        </p:txBody>
+      </p:sp>
+      <p:sp>
+        <p:nvSpPr>
+          <p:cNvPr id="29" name="TextBox 28">
+            <a:extLst>
+              <a:ext uri="{FF2B5EF4-FFF2-40B4-BE49-F238E27FC236}">
+                <a16:creationId xmlns:a16="http://schemas.microsoft.com/office/drawing/2014/main" id="{8E5BD720-31DB-4569-BD6A-99E613445571}"/>
+              </a:ext>
+            </a:extLst>
+          </p:cNvPr>
+          <p:cNvSpPr txBox="1"/>
+          <p:nvPr/>
+        </p:nvSpPr>
+        <p:spPr>
+          <a:xfrm>
+            <a:off x="3814696" y="4384304"/>
+            <a:ext cx="1415641" cy="307777"/>
+          </a:xfrm>
+          <a:prstGeom prst="rect">
+            <a:avLst/>
+          </a:prstGeom>
+          <a:noFill/>
+        </p:spPr>
+        <p:txBody>
+          <a:bodyPr wrap="square" rtlCol="0">
+            <a:spAutoFit/>
+          </a:bodyPr>
+          <a:lstStyle/>
+          <a:p>
+            <a:r>
+              <a:rPr lang="en-US" dirty="0">
+                <a:latin typeface="Calibri" panose="020F0502020204030204" pitchFamily="34" charset="0"/>
+                <a:cs typeface="Calibri" panose="020F0502020204030204" pitchFamily="34" charset="0"/>
+              </a:rPr>
+              <a:t>Type of program</a:t>
+            </a:r>
+          </a:p>
+        </p:txBody>
+      </p:sp>
+      <p:sp>
+        <p:nvSpPr>
+          <p:cNvPr id="30" name="TextBox 29">
+            <a:extLst>
+              <a:ext uri="{FF2B5EF4-FFF2-40B4-BE49-F238E27FC236}">
+                <a16:creationId xmlns:a16="http://schemas.microsoft.com/office/drawing/2014/main" id="{4962E5A5-8A20-4BA9-9378-CDB3B344407A}"/>
+              </a:ext>
+            </a:extLst>
+          </p:cNvPr>
+          <p:cNvSpPr txBox="1"/>
+          <p:nvPr/>
+        </p:nvSpPr>
+        <p:spPr>
+          <a:xfrm>
+            <a:off x="5373872" y="4384303"/>
+            <a:ext cx="1415641" cy="307777"/>
+          </a:xfrm>
+          <a:prstGeom prst="rect">
+            <a:avLst/>
+          </a:prstGeom>
+          <a:noFill/>
+        </p:spPr>
+        <p:txBody>
+          <a:bodyPr wrap="square" rtlCol="0">
+            <a:spAutoFit/>
+          </a:bodyPr>
+          <a:lstStyle/>
+          <a:p>
+            <a:r>
+              <a:rPr lang="en-US" dirty="0">
+                <a:latin typeface="Calibri" panose="020F0502020204030204" pitchFamily="34" charset="0"/>
+                <a:cs typeface="Calibri" panose="020F0502020204030204" pitchFamily="34" charset="0"/>
+              </a:rPr>
+              <a:t>Company Name</a:t>
+            </a:r>
+          </a:p>
+        </p:txBody>
+      </p:sp>
+      <p:sp>
+        <p:nvSpPr>
+          <p:cNvPr id="37" name="Rectangle: Rounded Corners 36">
+            <a:extLst>
+              <a:ext uri="{FF2B5EF4-FFF2-40B4-BE49-F238E27FC236}">
+                <a16:creationId xmlns:a16="http://schemas.microsoft.com/office/drawing/2014/main" id="{E54170C9-DECB-4F3B-973A-A14FAA44B52D}"/>
+              </a:ext>
+            </a:extLst>
+          </p:cNvPr>
+          <p:cNvSpPr/>
+          <p:nvPr/>
+        </p:nvSpPr>
+        <p:spPr>
+          <a:xfrm>
+            <a:off x="8902106" y="3109777"/>
+            <a:ext cx="879002" cy="296503"/>
+          </a:xfrm>
+          <a:prstGeom prst="roundRect">
+            <a:avLst/>
+          </a:prstGeom>
+          <a:solidFill>
+            <a:schemeClr val="accent1"/>
+          </a:solidFill>
+        </p:spPr>
+        <p:style>
+          <a:lnRef idx="2">
+            <a:schemeClr val="accent1">
+              <a:shade val="50000"/>
+            </a:schemeClr>
+          </a:lnRef>
+          <a:fillRef idx="1">
+            <a:schemeClr val="accent1"/>
+          </a:fillRef>
+          <a:effectRef idx="0">
+            <a:schemeClr val="accent1"/>
+          </a:effectRef>
+          <a:fontRef idx="minor">
+            <a:schemeClr val="lt1"/>
+          </a:fontRef>
+        </p:style>
+        <p:txBody>
+          <a:bodyPr rtlCol="0" anchor="ctr"/>
+          <a:lstStyle/>
+          <a:p>
+            <a:pPr algn="ctr"/>
+            <a:r>
+              <a:rPr lang="en-US">
+                <a:latin typeface="Calibri" panose="020F0502020204030204" pitchFamily="34" charset="0"/>
+                <a:cs typeface="Calibri" panose="020F0502020204030204" pitchFamily="34" charset="0"/>
+              </a:rPr>
+              <a:t>No</a:t>
+            </a:r>
+          </a:p>
+        </p:txBody>
+      </p:sp>
+      <p:sp>
+        <p:nvSpPr>
+          <p:cNvPr id="38" name="Rectangle: Rounded Corners 37">
+            <a:extLst>
+              <a:ext uri="{FF2B5EF4-FFF2-40B4-BE49-F238E27FC236}">
+                <a16:creationId xmlns:a16="http://schemas.microsoft.com/office/drawing/2014/main" id="{EBFB3B2D-ABBE-43F6-84A8-59AC64FD2AF2}"/>
+              </a:ext>
+            </a:extLst>
+          </p:cNvPr>
+          <p:cNvSpPr/>
+          <p:nvPr/>
+        </p:nvSpPr>
+        <p:spPr>
+          <a:xfrm>
+            <a:off x="8902106" y="3699504"/>
+            <a:ext cx="879002" cy="296503"/>
+          </a:xfrm>
+          <a:prstGeom prst="roundRect">
+            <a:avLst/>
+          </a:prstGeom>
+          <a:solidFill>
+            <a:schemeClr val="accent1"/>
+          </a:solidFill>
+        </p:spPr>
+        <p:style>
+          <a:lnRef idx="2">
+            <a:schemeClr val="accent1">
+              <a:shade val="50000"/>
+            </a:schemeClr>
+          </a:lnRef>
+          <a:fillRef idx="1">
+            <a:schemeClr val="accent1"/>
+          </a:fillRef>
+          <a:effectRef idx="0">
+            <a:schemeClr val="accent1"/>
+          </a:effectRef>
+          <a:fontRef idx="minor">
+            <a:schemeClr val="lt1"/>
+          </a:fontRef>
+        </p:style>
+        <p:txBody>
+          <a:bodyPr rtlCol="0" anchor="ctr"/>
+          <a:lstStyle/>
+          <a:p>
+            <a:pPr algn="ctr"/>
+            <a:r>
+              <a:rPr lang="en-US">
+                <a:latin typeface="Calibri" panose="020F0502020204030204" pitchFamily="34" charset="0"/>
+                <a:cs typeface="Calibri" panose="020F0502020204030204" pitchFamily="34" charset="0"/>
+              </a:rPr>
+              <a:t>No</a:t>
+            </a:r>
+          </a:p>
+        </p:txBody>
+      </p:sp>
+      <p:sp>
+        <p:nvSpPr>
+          <p:cNvPr id="39" name="Rectangle: Rounded Corners 38">
+            <a:extLst>
+              <a:ext uri="{FF2B5EF4-FFF2-40B4-BE49-F238E27FC236}">
+                <a16:creationId xmlns:a16="http://schemas.microsoft.com/office/drawing/2014/main" id="{D20829E5-209B-49C2-A139-C3A4E1E14972}"/>
+              </a:ext>
+            </a:extLst>
+          </p:cNvPr>
+          <p:cNvSpPr/>
+          <p:nvPr/>
+        </p:nvSpPr>
+        <p:spPr>
+          <a:xfrm>
+            <a:off x="8902106" y="4351388"/>
+            <a:ext cx="879002" cy="296503"/>
+          </a:xfrm>
+          <a:prstGeom prst="roundRect">
+            <a:avLst/>
+          </a:prstGeom>
+          <a:solidFill>
+            <a:schemeClr val="accent1"/>
+          </a:solidFill>
+        </p:spPr>
+        <p:style>
+          <a:lnRef idx="2">
+            <a:schemeClr val="accent1">
+              <a:shade val="50000"/>
+            </a:schemeClr>
+          </a:lnRef>
+          <a:fillRef idx="1">
+            <a:schemeClr val="accent1"/>
+          </a:fillRef>
+          <a:effectRef idx="0">
+            <a:schemeClr val="accent1"/>
+          </a:effectRef>
+          <a:fontRef idx="minor">
+            <a:schemeClr val="lt1"/>
+          </a:fontRef>
+        </p:style>
+        <p:txBody>
+          <a:bodyPr rtlCol="0" anchor="ctr"/>
+          <a:lstStyle/>
+          <a:p>
+            <a:pPr algn="ctr"/>
+            <a:r>
+              <a:rPr lang="en-US">
+                <a:latin typeface="Calibri" panose="020F0502020204030204" pitchFamily="34" charset="0"/>
+                <a:cs typeface="Calibri" panose="020F0502020204030204" pitchFamily="34" charset="0"/>
+              </a:rPr>
+              <a:t>No</a:t>
+            </a:r>
+          </a:p>
+        </p:txBody>
+      </p:sp>
+      <p:sp>
+        <p:nvSpPr>
+          <p:cNvPr id="40" name="Speech Bubble: Rectangle with Corners Rounded 39">
+            <a:extLst>
+              <a:ext uri="{FF2B5EF4-FFF2-40B4-BE49-F238E27FC236}">
+                <a16:creationId xmlns:a16="http://schemas.microsoft.com/office/drawing/2014/main" id="{E270489C-3B2A-4161-AD97-3BCB86A05D3B}"/>
+              </a:ext>
+            </a:extLst>
+          </p:cNvPr>
+          <p:cNvSpPr/>
+          <p:nvPr/>
+        </p:nvSpPr>
+        <p:spPr>
+          <a:xfrm>
+            <a:off x="9891077" y="1509054"/>
+            <a:ext cx="2198255" cy="680132"/>
+          </a:xfrm>
+          <a:prstGeom prst="wedgeRoundRectCallout">
+            <a:avLst>
+              <a:gd name="adj1" fmla="val -27556"/>
+              <a:gd name="adj2" fmla="val -67130"/>
+              <a:gd name="adj3" fmla="val 16667"/>
+            </a:avLst>
+          </a:prstGeom>
+          <a:solidFill>
+            <a:schemeClr val="accent6">
+              <a:lumMod val="40000"/>
+              <a:lumOff val="60000"/>
+            </a:schemeClr>
+          </a:solidFill>
+          <a:ln>
+            <a:noFill/>
+          </a:ln>
+        </p:spPr>
+        <p:style>
+          <a:lnRef idx="2">
+            <a:schemeClr val="accent1">
+              <a:shade val="50000"/>
+            </a:schemeClr>
+          </a:lnRef>
+          <a:fillRef idx="1">
+            <a:schemeClr val="accent1"/>
+          </a:fillRef>
+          <a:effectRef idx="0">
+            <a:schemeClr val="accent1"/>
+          </a:effectRef>
+          <a:fontRef idx="minor">
+            <a:schemeClr val="lt1"/>
+          </a:fontRef>
+        </p:style>
+        <p:txBody>
+          <a:bodyPr rtlCol="0" anchor="ctr"/>
+          <a:lstStyle/>
+          <a:p>
+            <a:pPr algn="ctr"/>
+            <a:r>
+              <a:rPr lang="en-US">
+                <a:solidFill>
+                  <a:schemeClr val="accent6">
+                    <a:lumMod val="50000"/>
+                  </a:schemeClr>
+                </a:solidFill>
+                <a:latin typeface="Calibri" panose="020F0502020204030204" pitchFamily="34" charset="0"/>
+                <a:cs typeface="Calibri" panose="020F0502020204030204" pitchFamily="34" charset="0"/>
+              </a:rPr>
+              <a:t>These students can be seen by ALL coaches</a:t>
+            </a:r>
+          </a:p>
+        </p:txBody>
+      </p:sp>
+      <p:sp>
+        <p:nvSpPr>
+          <p:cNvPr id="41" name="Speech Bubble: Rectangle with Corners Rounded 40">
+            <a:extLst>
+              <a:ext uri="{FF2B5EF4-FFF2-40B4-BE49-F238E27FC236}">
+                <a16:creationId xmlns:a16="http://schemas.microsoft.com/office/drawing/2014/main" id="{8108B1C3-D18B-4579-88B3-1ED9A2ABFA0D}"/>
+              </a:ext>
+            </a:extLst>
+          </p:cNvPr>
+          <p:cNvSpPr/>
+          <p:nvPr/>
+        </p:nvSpPr>
+        <p:spPr>
+          <a:xfrm>
+            <a:off x="10081834" y="3507689"/>
+            <a:ext cx="1816740" cy="680132"/>
+          </a:xfrm>
+          <a:prstGeom prst="wedgeRoundRectCallout">
+            <a:avLst>
+              <a:gd name="adj1" fmla="val -75194"/>
+              <a:gd name="adj2" fmla="val -1905"/>
+              <a:gd name="adj3" fmla="val 16667"/>
+            </a:avLst>
+          </a:prstGeom>
+          <a:solidFill>
+            <a:schemeClr val="accent6">
+              <a:lumMod val="40000"/>
+              <a:lumOff val="60000"/>
+            </a:schemeClr>
+          </a:solidFill>
+          <a:ln>
+            <a:noFill/>
+          </a:ln>
+        </p:spPr>
+        <p:style>
+          <a:lnRef idx="2">
+            <a:schemeClr val="accent1">
+              <a:shade val="50000"/>
+            </a:schemeClr>
+          </a:lnRef>
+          <a:fillRef idx="1">
+            <a:schemeClr val="accent1"/>
+          </a:fillRef>
+          <a:effectRef idx="0">
+            <a:schemeClr val="accent1"/>
+          </a:effectRef>
+          <a:fontRef idx="minor">
+            <a:schemeClr val="lt1"/>
+          </a:fontRef>
+        </p:style>
+        <p:txBody>
+          <a:bodyPr rtlCol="0" anchor="ctr"/>
+          <a:lstStyle/>
+          <a:p>
+            <a:pPr algn="ctr"/>
+            <a:r>
+              <a:rPr lang="en-US" sz="1200" dirty="0">
+                <a:solidFill>
+                  <a:schemeClr val="accent6">
+                    <a:lumMod val="50000"/>
+                  </a:schemeClr>
+                </a:solidFill>
+                <a:latin typeface="Calibri" panose="020F0502020204030204" pitchFamily="34" charset="0"/>
+                <a:cs typeface="Calibri" panose="020F0502020204030204" pitchFamily="34" charset="0"/>
+              </a:rPr>
+              <a:t>Once clicked, it is assigned to a coach</a:t>
+            </a:r>
+          </a:p>
+        </p:txBody>
+      </p:sp>
+      <p:sp>
+        <p:nvSpPr>
+          <p:cNvPr id="42" name="Rectangle: Rounded Corners 41">
+            <a:extLst>
+              <a:ext uri="{FF2B5EF4-FFF2-40B4-BE49-F238E27FC236}">
+                <a16:creationId xmlns:a16="http://schemas.microsoft.com/office/drawing/2014/main" id="{93A9C8B4-E6F7-4FD8-BF04-FE60C2877A15}"/>
+              </a:ext>
+            </a:extLst>
+          </p:cNvPr>
+          <p:cNvSpPr/>
+          <p:nvPr/>
+        </p:nvSpPr>
+        <p:spPr>
+          <a:xfrm>
+            <a:off x="10007270" y="2560683"/>
+            <a:ext cx="2279905" cy="699137"/>
+          </a:xfrm>
+          <a:prstGeom prst="roundRect">
+            <a:avLst/>
+          </a:prstGeom>
+          <a:solidFill>
+            <a:schemeClr val="accent5"/>
+          </a:solidFill>
+          <a:ln w="25400" cap="flat" cmpd="sng" algn="ctr">
+            <a:solidFill>
+              <a:schemeClr val="accent5"/>
+            </a:solidFill>
+            <a:prstDash val="solid"/>
+            <a:round/>
+            <a:headEnd type="none" w="med" len="med"/>
+            <a:tailEnd type="none" w="med" len="med"/>
+          </a:ln>
+        </p:spPr>
+        <p:style>
+          <a:lnRef idx="2">
+            <a:schemeClr val="accent1">
+              <a:shade val="50000"/>
+            </a:schemeClr>
+          </a:lnRef>
+          <a:fillRef idx="1">
+            <a:schemeClr val="accent1"/>
+          </a:fillRef>
+          <a:effectRef idx="0">
+            <a:schemeClr val="accent1"/>
+          </a:effectRef>
+          <a:fontRef idx="minor">
+            <a:schemeClr val="lt1"/>
+          </a:fontRef>
+        </p:style>
+        <p:txBody>
+          <a:bodyPr rtlCol="0" anchor="ctr"/>
+          <a:lstStyle/>
+          <a:p>
+            <a:r>
+              <a:rPr lang="en-US" sz="1200">
+                <a:latin typeface="Calibri" panose="020F0502020204030204" pitchFamily="34" charset="0"/>
+                <a:cs typeface="Calibri" panose="020F0502020204030204" pitchFamily="34" charset="0"/>
+              </a:rPr>
+              <a:t>Reads: non-contacted students</a:t>
+            </a:r>
+          </a:p>
+          <a:p>
+            <a:r>
+              <a:rPr lang="en-US" sz="1200">
+                <a:latin typeface="Calibri" panose="020F0502020204030204" pitchFamily="34" charset="0"/>
+                <a:cs typeface="Calibri" panose="020F0502020204030204" pitchFamily="34" charset="0"/>
+              </a:rPr>
+              <a:t>Writes: moves from non-contacted to contacted</a:t>
+            </a:r>
+          </a:p>
+        </p:txBody>
+      </p:sp>
+      <p:sp>
+        <p:nvSpPr>
+          <p:cNvPr id="44" name="Rectangle: Rounded Corners 43">
+            <a:extLst>
+              <a:ext uri="{FF2B5EF4-FFF2-40B4-BE49-F238E27FC236}">
+                <a16:creationId xmlns:a16="http://schemas.microsoft.com/office/drawing/2014/main" id="{EAB45839-CF56-4377-8D7A-4F43270CA135}"/>
+              </a:ext>
+            </a:extLst>
+          </p:cNvPr>
+          <p:cNvSpPr/>
+          <p:nvPr/>
+        </p:nvSpPr>
+        <p:spPr>
+          <a:xfrm>
+            <a:off x="6933048" y="2458852"/>
+            <a:ext cx="1557205" cy="477520"/>
+          </a:xfrm>
+          <a:prstGeom prst="roundRect">
+            <a:avLst/>
+          </a:prstGeom>
+          <a:solidFill>
+            <a:schemeClr val="bg2"/>
+          </a:solidFill>
+        </p:spPr>
+        <p:style>
+          <a:lnRef idx="2">
+            <a:schemeClr val="accent1">
+              <a:shade val="50000"/>
+            </a:schemeClr>
+          </a:lnRef>
+          <a:fillRef idx="1">
+            <a:schemeClr val="accent1"/>
+          </a:fillRef>
+          <a:effectRef idx="0">
+            <a:schemeClr val="accent1"/>
+          </a:effectRef>
+          <a:fontRef idx="minor">
+            <a:schemeClr val="lt1"/>
+          </a:fontRef>
+        </p:style>
+        <p:txBody>
+          <a:bodyPr rtlCol="0" anchor="ctr"/>
+          <a:lstStyle/>
+          <a:p>
+            <a:pPr algn="ctr"/>
+            <a:r>
+              <a:rPr lang="en-US" dirty="0">
+                <a:latin typeface="Calibri" panose="020F0502020204030204" pitchFamily="34" charset="0"/>
+                <a:cs typeface="Calibri" panose="020F0502020204030204" pitchFamily="34" charset="0"/>
+              </a:rPr>
+              <a:t>Contact Info</a:t>
+            </a:r>
+          </a:p>
+        </p:txBody>
+      </p:sp>
+    </p:spTree>
+    <p:extLst>
+      <p:ext uri="{BB962C8B-B14F-4D97-AF65-F5344CB8AC3E}">
+        <p14:creationId xmlns:p14="http://schemas.microsoft.com/office/powerpoint/2010/main" val="1801464725"/>
+      </p:ext>
+    </p:extLst>
+  </p:cSld>
+  <p:clrMapOvr>
+    <a:masterClrMapping/>
+  </p:clrMapOvr>
+</p:sld>
+</file>
+
+<file path=ppt/slides/slide6.xml><?xml version="1.0" encoding="utf-8"?>
+<p:sld xmlns:a="http://schemas.openxmlformats.org/drawingml/2006/main" xmlns:r="http://schemas.openxmlformats.org/officeDocument/2006/relationships" xmlns:p="http://schemas.openxmlformats.org/presentationml/2006/main">
+  <p:cSld>
+    <p:spTree>
+      <p:nvGrpSpPr>
+        <p:cNvPr id="1" name=""/>
+        <p:cNvGrpSpPr/>
+        <p:nvPr/>
+      </p:nvGrpSpPr>
+      <p:grpSpPr>
+        <a:xfrm>
+          <a:off x="0" y="0"/>
+          <a:ext cx="0" cy="0"/>
+          <a:chOff x="0" y="0"/>
+          <a:chExt cx="0" cy="0"/>
+        </a:xfrm>
+      </p:grpSpPr>
+      <p:sp>
+        <p:nvSpPr>
+          <p:cNvPr id="2" name="Title 1">
+            <a:extLst>
+              <a:ext uri="{FF2B5EF4-FFF2-40B4-BE49-F238E27FC236}">
+                <a16:creationId xmlns:a16="http://schemas.microsoft.com/office/drawing/2014/main" id="{D0B3DBC0-3387-4A3F-AF15-93F35B68E9F2}"/>
+              </a:ext>
+            </a:extLst>
+          </p:cNvPr>
+          <p:cNvSpPr>
+            <a:spLocks noGrp="1"/>
+          </p:cNvSpPr>
+          <p:nvPr>
+            <p:ph type="title"/>
+          </p:nvPr>
+        </p:nvSpPr>
+        <p:spPr/>
+        <p:txBody>
+          <a:bodyPr/>
+          <a:lstStyle/>
+          <a:p>
+            <a:r>
+              <a:rPr lang="en-US" dirty="0"/>
+              <a:t>Dashboard to see assigned students and status</a:t>
+            </a:r>
+          </a:p>
+        </p:txBody>
+      </p:sp>
+      <p:sp>
+        <p:nvSpPr>
+          <p:cNvPr id="4" name="Slide Number Placeholder 3">
+            <a:extLst>
+              <a:ext uri="{FF2B5EF4-FFF2-40B4-BE49-F238E27FC236}">
+                <a16:creationId xmlns:a16="http://schemas.microsoft.com/office/drawing/2014/main" id="{61ADD5D7-6A5A-407E-97C6-D2AC65314A65}"/>
+              </a:ext>
+            </a:extLst>
+          </p:cNvPr>
+          <p:cNvSpPr>
+            <a:spLocks noGrp="1"/>
+          </p:cNvSpPr>
+          <p:nvPr>
+            <p:ph type="sldNum" idx="12"/>
+          </p:nvPr>
+        </p:nvSpPr>
+        <p:spPr/>
+        <p:txBody>
+          <a:bodyPr/>
+          <a:lstStyle/>
+          <a:p>
+            <a:pPr marL="0" lvl="0" indent="0" algn="ctr" rtl="0">
+              <a:spcBef>
+                <a:spcPts val="0"/>
+              </a:spcBef>
+              <a:spcAft>
+                <a:spcPts val="0"/>
+              </a:spcAft>
+              <a:buNone/>
+            </a:pPr>
+            <a:fld id="{00000000-1234-1234-1234-123412341234}" type="slidenum">
+              <a:rPr lang="en-US" smtClean="0"/>
+              <a:t>6</a:t>
             </a:fld>
             <a:endParaRPr lang="en-US"/>
           </a:p>
@@ -7007,7 +8859,7 @@
 </p:sld>
 </file>
 
-<file path=ppt/slides/slide5.xml><?xml version="1.0" encoding="utf-8"?>
+<file path=ppt/slides/slide7.xml><?xml version="1.0" encoding="utf-8"?>
 <p:sld xmlns:a="http://schemas.openxmlformats.org/drawingml/2006/main" xmlns:r="http://schemas.openxmlformats.org/officeDocument/2006/relationships" xmlns:p="http://schemas.openxmlformats.org/presentationml/2006/main">
   <p:cSld>
     <p:spTree>
@@ -7084,7 +8936,7 @@
             </a:pPr>
             <a:fld id="{00000000-1234-1234-1234-123412341234}" type="slidenum">
               <a:rPr lang="en-US" smtClean="0"/>
-              <a:t>5</a:t>
+              <a:t>7</a:t>
             </a:fld>
             <a:endParaRPr lang="en-US"/>
           </a:p>
@@ -7488,8 +9340,8 @@
 
 <file path=ppt/tags/tag1.xml><?xml version="1.0" encoding="utf-8"?>
 <p:tagLst xmlns:a="http://schemas.openxmlformats.org/drawingml/2006/main" xmlns:r="http://schemas.openxmlformats.org/officeDocument/2006/relationships" xmlns:p="http://schemas.openxmlformats.org/presentationml/2006/main">
+  <p:tag name="EE4P_STYLE_ID" val="9245cb48-36f6-4855-a0c3-19564cc8b6bc"/>
   <p:tag name="THINKCELLUNDODONOTDELETE" val="0"/>
-  <p:tag name="EE4P_STYLE_ID" val="9245cb48-36f6-4855-a0c3-19564cc8b6bc"/>
 </p:tagLst>
 </file>
 
@@ -7500,6 +9352,24 @@
 </file>
 
 <file path=ppt/tags/tag3.xml><?xml version="1.0" encoding="utf-8"?>
+<p:tagLst xmlns:a="http://schemas.openxmlformats.org/drawingml/2006/main" xmlns:r="http://schemas.openxmlformats.org/officeDocument/2006/relationships" xmlns:p="http://schemas.openxmlformats.org/presentationml/2006/main">
+  <p:tag name="THINKCELLSHAPEDONOTDELETE" val="thinkcellActiveDocDoNotDelete"/>
+</p:tagLst>
+</file>
+
+<file path=ppt/tags/tag4.xml><?xml version="1.0" encoding="utf-8"?>
+<p:tagLst xmlns:a="http://schemas.openxmlformats.org/drawingml/2006/main" xmlns:r="http://schemas.openxmlformats.org/officeDocument/2006/relationships" xmlns:p="http://schemas.openxmlformats.org/presentationml/2006/main">
+  <p:tag name="THINKCELLSHAPEDONOTDELETE" val="thinkcellActiveDocDoNotDelete"/>
+</p:tagLst>
+</file>
+
+<file path=ppt/tags/tag5.xml><?xml version="1.0" encoding="utf-8"?>
+<p:tagLst xmlns:a="http://schemas.openxmlformats.org/drawingml/2006/main" xmlns:r="http://schemas.openxmlformats.org/officeDocument/2006/relationships" xmlns:p="http://schemas.openxmlformats.org/presentationml/2006/main">
+  <p:tag name="THINKCELLSHAPEDONOTDELETE" val="thinkcellActiveDocDoNotDelete"/>
+</p:tagLst>
+</file>
+
+<file path=ppt/tags/tag6.xml><?xml version="1.0" encoding="utf-8"?>
 <p:tagLst xmlns:a="http://schemas.openxmlformats.org/drawingml/2006/main" xmlns:r="http://schemas.openxmlformats.org/officeDocument/2006/relationships" xmlns:p="http://schemas.openxmlformats.org/presentationml/2006/main">
   <p:tag name="THINKCELLSHAPEDONOTDELETE" val="thinkcellActiveDocDoNotDelete"/>
 </p:tagLst>

--- a/assets/Wireframe and user stories Vinco.pptx
+++ b/assets/Wireframe and user stories Vinco.pptx
@@ -287,7 +287,7 @@
       </p15:sldGuideLst>
     </p:ext>
     <p:ext uri="http://customooxmlschemas.google.com/">
-      <go:slidesCustomData xmlns:go="http://customooxmlschemas.google.com/" xmlns:ahyp="http://schemas.microsoft.com/office/drawing/2018/hyperlinkcolor" xmlns:p15="http://schemas.microsoft.com/office/powerpoint/2012/main" xmlns:p14="http://schemas.microsoft.com/office/powerpoint/2010/main" xmlns:com="http://schemas.openxmlformats.org/drawingml/2006/compatibility" xmlns:pvml="urn:schemas-microsoft-com:office:powerpoint" xmlns:v="urn:schemas-microsoft-com:vml" xmlns:o="urn:schemas-microsoft-com:office:office" xmlns:dgm="http://schemas.openxmlformats.org/drawingml/2006/diagram" xmlns:c="http://schemas.openxmlformats.org/drawingml/2006/chart" xmlns:mv="urn:schemas-microsoft-com:mac:vml" xmlns:mc="http://schemas.openxmlformats.org/markup-compatibility/2006" xmlns="" roundtripDataSignature="AMtx7mgadUdIU+S6umSfNgCcTuOdWtvndg==" r:id="rId47"/>
+      <go:slidesCustomData xmlns="" xmlns:mc="http://schemas.openxmlformats.org/markup-compatibility/2006" xmlns:mv="urn:schemas-microsoft-com:mac:vml" xmlns:c="http://schemas.openxmlformats.org/drawingml/2006/chart" xmlns:dgm="http://schemas.openxmlformats.org/drawingml/2006/diagram" xmlns:o="urn:schemas-microsoft-com:office:office" xmlns:v="urn:schemas-microsoft-com:vml" xmlns:pvml="urn:schemas-microsoft-com:office:powerpoint" xmlns:com="http://schemas.openxmlformats.org/drawingml/2006/compatibility" xmlns:p14="http://schemas.microsoft.com/office/powerpoint/2010/main" xmlns:p15="http://schemas.microsoft.com/office/powerpoint/2012/main" xmlns:ahyp="http://schemas.microsoft.com/office/drawing/2018/hyperlinkcolor" xmlns:go="http://customooxmlschemas.google.com/" roundtripDataSignature="AMtx7mgadUdIU+S6umSfNgCcTuOdWtvndg==" r:id="rId47"/>
     </p:ext>
   </p:extLst>
 </p:presentation>
